--- a/MONITORAMENTO/Documentação/PPTs/Diagrama_solucao.pptx
+++ b/MONITORAMENTO/Documentação/PPTs/Diagrama_solucao.pptx
@@ -104,6 +104,11 @@
       </a:defRPr>
     </a:lvl9pPr>
   </p:defaultTextStyle>
+  <p:extLst>
+    <p:ext uri="{EFAFB233-063F-42B5-8137-9DF3F51BA10A}">
+      <p15:sldGuideLst xmlns:p15="http://schemas.microsoft.com/office/powerpoint/2012/main"/>
+    </p:ext>
+  </p:extLst>
 </p:presentation>
 </file>
 
@@ -254,7 +259,7 @@
           <a:p>
             <a:fld id="{D147B88F-A2CB-4067-ADAE-7C47100211AC}" type="datetimeFigureOut">
               <a:rPr lang="pt-BR" smtClean="0"/>
-              <a:t>20/10/2020</a:t>
+              <a:t>09/12/2020</a:t>
             </a:fld>
             <a:endParaRPr lang="pt-BR"/>
           </a:p>
@@ -452,7 +457,7 @@
           <a:p>
             <a:fld id="{D147B88F-A2CB-4067-ADAE-7C47100211AC}" type="datetimeFigureOut">
               <a:rPr lang="pt-BR" smtClean="0"/>
-              <a:t>20/10/2020</a:t>
+              <a:t>09/12/2020</a:t>
             </a:fld>
             <a:endParaRPr lang="pt-BR"/>
           </a:p>
@@ -660,7 +665,7 @@
           <a:p>
             <a:fld id="{D147B88F-A2CB-4067-ADAE-7C47100211AC}" type="datetimeFigureOut">
               <a:rPr lang="pt-BR" smtClean="0"/>
-              <a:t>20/10/2020</a:t>
+              <a:t>09/12/2020</a:t>
             </a:fld>
             <a:endParaRPr lang="pt-BR"/>
           </a:p>
@@ -858,7 +863,7 @@
           <a:p>
             <a:fld id="{D147B88F-A2CB-4067-ADAE-7C47100211AC}" type="datetimeFigureOut">
               <a:rPr lang="pt-BR" smtClean="0"/>
-              <a:t>20/10/2020</a:t>
+              <a:t>09/12/2020</a:t>
             </a:fld>
             <a:endParaRPr lang="pt-BR"/>
           </a:p>
@@ -1133,7 +1138,7 @@
           <a:p>
             <a:fld id="{D147B88F-A2CB-4067-ADAE-7C47100211AC}" type="datetimeFigureOut">
               <a:rPr lang="pt-BR" smtClean="0"/>
-              <a:t>20/10/2020</a:t>
+              <a:t>09/12/2020</a:t>
             </a:fld>
             <a:endParaRPr lang="pt-BR"/>
           </a:p>
@@ -1398,7 +1403,7 @@
           <a:p>
             <a:fld id="{D147B88F-A2CB-4067-ADAE-7C47100211AC}" type="datetimeFigureOut">
               <a:rPr lang="pt-BR" smtClean="0"/>
-              <a:t>20/10/2020</a:t>
+              <a:t>09/12/2020</a:t>
             </a:fld>
             <a:endParaRPr lang="pt-BR"/>
           </a:p>
@@ -1810,7 +1815,7 @@
           <a:p>
             <a:fld id="{D147B88F-A2CB-4067-ADAE-7C47100211AC}" type="datetimeFigureOut">
               <a:rPr lang="pt-BR" smtClean="0"/>
-              <a:t>20/10/2020</a:t>
+              <a:t>09/12/2020</a:t>
             </a:fld>
             <a:endParaRPr lang="pt-BR"/>
           </a:p>
@@ -1951,7 +1956,7 @@
           <a:p>
             <a:fld id="{D147B88F-A2CB-4067-ADAE-7C47100211AC}" type="datetimeFigureOut">
               <a:rPr lang="pt-BR" smtClean="0"/>
-              <a:t>20/10/2020</a:t>
+              <a:t>09/12/2020</a:t>
             </a:fld>
             <a:endParaRPr lang="pt-BR"/>
           </a:p>
@@ -2064,7 +2069,7 @@
           <a:p>
             <a:fld id="{D147B88F-A2CB-4067-ADAE-7C47100211AC}" type="datetimeFigureOut">
               <a:rPr lang="pt-BR" smtClean="0"/>
-              <a:t>20/10/2020</a:t>
+              <a:t>09/12/2020</a:t>
             </a:fld>
             <a:endParaRPr lang="pt-BR"/>
           </a:p>
@@ -2375,7 +2380,7 @@
           <a:p>
             <a:fld id="{D147B88F-A2CB-4067-ADAE-7C47100211AC}" type="datetimeFigureOut">
               <a:rPr lang="pt-BR" smtClean="0"/>
-              <a:t>20/10/2020</a:t>
+              <a:t>09/12/2020</a:t>
             </a:fld>
             <a:endParaRPr lang="pt-BR"/>
           </a:p>
@@ -2663,7 +2668,7 @@
           <a:p>
             <a:fld id="{D147B88F-A2CB-4067-ADAE-7C47100211AC}" type="datetimeFigureOut">
               <a:rPr lang="pt-BR" smtClean="0"/>
-              <a:t>20/10/2020</a:t>
+              <a:t>09/12/2020</a:t>
             </a:fld>
             <a:endParaRPr lang="pt-BR"/>
           </a:p>
@@ -2904,7 +2909,7 @@
           <a:p>
             <a:fld id="{D147B88F-A2CB-4067-ADAE-7C47100211AC}" type="datetimeFigureOut">
               <a:rPr lang="pt-BR" smtClean="0"/>
-              <a:t>20/10/2020</a:t>
+              <a:t>09/12/2020</a:t>
             </a:fld>
             <a:endParaRPr lang="pt-BR"/>
           </a:p>
@@ -3323,10 +3328,10 @@
       </p:grpSpPr>
       <p:pic>
         <p:nvPicPr>
-          <p:cNvPr id="51" name="Imagem 50" descr="Uma imagem contendo Forma&#10;&#10;Descrição gerada automaticamente">
-            <a:extLst>
-              <a:ext uri="{FF2B5EF4-FFF2-40B4-BE49-F238E27FC236}">
-                <a16:creationId xmlns:a16="http://schemas.microsoft.com/office/drawing/2014/main" id="{3E8AC66E-3769-4522-AAB6-D4C66E6D2877}"/>
+          <p:cNvPr id="67" name="Imagem 66" descr="Uma imagem contendo Forma&#10;&#10;Descrição gerada automaticamente">
+            <a:extLst>
+              <a:ext uri="{FF2B5EF4-FFF2-40B4-BE49-F238E27FC236}">
+                <a16:creationId xmlns:a16="http://schemas.microsoft.com/office/drawing/2014/main" id="{0BFCCD30-421D-4312-A881-CB53CAA634C4}"/>
               </a:ext>
             </a:extLst>
           </p:cNvPr>
@@ -3349,6 +3354,42 @@
         </p:blipFill>
         <p:spPr>
           <a:xfrm>
+            <a:off x="8827563" y="3361252"/>
+            <a:ext cx="1542263" cy="1542263"/>
+          </a:xfrm>
+          <a:prstGeom prst="rect">
+            <a:avLst/>
+          </a:prstGeom>
+        </p:spPr>
+      </p:pic>
+      <p:pic>
+        <p:nvPicPr>
+          <p:cNvPr id="51" name="Imagem 50" descr="Uma imagem contendo Forma&#10;&#10;Descrição gerada automaticamente">
+            <a:extLst>
+              <a:ext uri="{FF2B5EF4-FFF2-40B4-BE49-F238E27FC236}">
+                <a16:creationId xmlns:a16="http://schemas.microsoft.com/office/drawing/2014/main" id="{3E8AC66E-3769-4522-AAB6-D4C66E6D2877}"/>
+              </a:ext>
+            </a:extLst>
+          </p:cNvPr>
+          <p:cNvPicPr>
+            <a:picLocks noChangeAspect="1"/>
+          </p:cNvPicPr>
+          <p:nvPr/>
+        </p:nvPicPr>
+        <p:blipFill>
+          <a:blip r:embed="rId2">
+            <a:extLst>
+              <a:ext uri="{28A0092B-C50C-407E-A947-70E740481C1C}">
+                <a14:useLocalDpi xmlns:a14="http://schemas.microsoft.com/office/drawing/2010/main" val="0"/>
+              </a:ext>
+            </a:extLst>
+          </a:blip>
+          <a:stretch>
+            <a:fillRect/>
+          </a:stretch>
+        </p:blipFill>
+        <p:spPr>
+          <a:xfrm>
             <a:off x="6292042" y="5162844"/>
             <a:ext cx="1544807" cy="1544807"/>
           </a:xfrm>
@@ -3386,8 +3427,8 @@
         </p:blipFill>
         <p:spPr bwMode="auto">
           <a:xfrm>
-            <a:off x="430070" y="243376"/>
-            <a:ext cx="912397" cy="912397"/>
+            <a:off x="430070" y="529564"/>
+            <a:ext cx="912397" cy="626209"/>
           </a:xfrm>
           <a:prstGeom prst="rect">
             <a:avLst/>
@@ -3453,10 +3494,10 @@
       </p:pic>
       <p:pic>
         <p:nvPicPr>
-          <p:cNvPr id="1041" name="Picture 17">
-            <a:extLst>
-              <a:ext uri="{FF2B5EF4-FFF2-40B4-BE49-F238E27FC236}">
-                <a16:creationId xmlns:a16="http://schemas.microsoft.com/office/drawing/2014/main" id="{CD8ADA45-0554-4DEC-9258-DE8C0417808F}"/>
+          <p:cNvPr id="1044" name="Picture 20">
+            <a:extLst>
+              <a:ext uri="{FF2B5EF4-FFF2-40B4-BE49-F238E27FC236}">
+                <a16:creationId xmlns:a16="http://schemas.microsoft.com/office/drawing/2014/main" id="{8A7AA8E8-5208-43C1-858D-7108A9E06692}"/>
               </a:ext>
             </a:extLst>
           </p:cNvPr>
@@ -3468,15 +3509,6 @@
         <p:blipFill>
           <a:blip r:embed="rId5">
             <a:extLst>
-              <a:ext uri="{BEBA8EAE-BF5A-486C-A8C5-ECC9F3942E4B}">
-                <a14:imgProps xmlns:a14="http://schemas.microsoft.com/office/drawing/2010/main">
-                  <a14:imgLayer r:embed="rId6">
-                    <a14:imgEffect>
-                      <a14:backgroundRemoval t="10000" b="90000" l="10000" r="90000"/>
-                    </a14:imgEffect>
-                  </a14:imgLayer>
-                </a14:imgProps>
-              </a:ext>
               <a:ext uri="{28A0092B-C50C-407E-A947-70E740481C1C}">
                 <a14:useLocalDpi xmlns:a14="http://schemas.microsoft.com/office/drawing/2010/main" val="0"/>
               </a:ext>
@@ -3489,8 +3521,8 @@
         </p:blipFill>
         <p:spPr bwMode="auto">
           <a:xfrm>
-            <a:off x="8104317" y="6257969"/>
-            <a:ext cx="561975" cy="581025"/>
+            <a:off x="732398" y="5066686"/>
+            <a:ext cx="899043" cy="914816"/>
           </a:xfrm>
           <a:prstGeom prst="rect">
             <a:avLst/>
@@ -3509,10 +3541,10 @@
       </p:pic>
       <p:pic>
         <p:nvPicPr>
-          <p:cNvPr id="1044" name="Picture 20">
-            <a:extLst>
-              <a:ext uri="{FF2B5EF4-FFF2-40B4-BE49-F238E27FC236}">
-                <a16:creationId xmlns:a16="http://schemas.microsoft.com/office/drawing/2014/main" id="{8A7AA8E8-5208-43C1-858D-7108A9E06692}"/>
+          <p:cNvPr id="1045" name="Picture 21">
+            <a:extLst>
+              <a:ext uri="{FF2B5EF4-FFF2-40B4-BE49-F238E27FC236}">
+                <a16:creationId xmlns:a16="http://schemas.microsoft.com/office/drawing/2014/main" id="{021B3648-D5F6-4B90-8E76-5D733488F406}"/>
               </a:ext>
             </a:extLst>
           </p:cNvPr>
@@ -3522,8 +3554,21 @@
           <p:nvPr/>
         </p:nvPicPr>
         <p:blipFill>
-          <a:blip r:embed="rId7">
-            <a:extLst>
+          <a:blip r:embed="rId6">
+            <a:extLst>
+              <a:ext uri="{BEBA8EAE-BF5A-486C-A8C5-ECC9F3942E4B}">
+                <a14:imgProps xmlns:a14="http://schemas.microsoft.com/office/drawing/2010/main">
+                  <a14:imgLayer r:embed="rId7">
+                    <a14:imgEffect>
+                      <a14:backgroundRemoval t="10000" b="90000" l="10000" r="90000">
+                        <a14:foregroundMark x1="52778" y1="43396" x2="52778" y2="43396"/>
+                        <a14:foregroundMark x1="55556" y1="37736" x2="55556" y2="37736"/>
+                        <a14:foregroundMark x1="37963" y1="30189" x2="37963" y2="30189"/>
+                      </a14:backgroundRemoval>
+                    </a14:imgEffect>
+                  </a14:imgLayer>
+                </a14:imgProps>
+              </a:ext>
               <a:ext uri="{28A0092B-C50C-407E-A947-70E740481C1C}">
                 <a14:useLocalDpi xmlns:a14="http://schemas.microsoft.com/office/drawing/2010/main" val="0"/>
               </a:ext>
@@ -3536,8 +3581,8 @@
         </p:blipFill>
         <p:spPr bwMode="auto">
           <a:xfrm>
-            <a:off x="732398" y="5066686"/>
-            <a:ext cx="899043" cy="914816"/>
+            <a:off x="6713195" y="5411519"/>
+            <a:ext cx="702500" cy="689491"/>
           </a:xfrm>
           <a:prstGeom prst="rect">
             <a:avLst/>
@@ -3556,10 +3601,10 @@
       </p:pic>
       <p:pic>
         <p:nvPicPr>
-          <p:cNvPr id="1045" name="Picture 21">
-            <a:extLst>
-              <a:ext uri="{FF2B5EF4-FFF2-40B4-BE49-F238E27FC236}">
-                <a16:creationId xmlns:a16="http://schemas.microsoft.com/office/drawing/2014/main" id="{021B3648-D5F6-4B90-8E76-5D733488F406}"/>
+          <p:cNvPr id="1047" name="Picture 23">
+            <a:extLst>
+              <a:ext uri="{FF2B5EF4-FFF2-40B4-BE49-F238E27FC236}">
+                <a16:creationId xmlns:a16="http://schemas.microsoft.com/office/drawing/2014/main" id="{A4572B22-DC30-49B0-A334-BB0C6A2933B5}"/>
               </a:ext>
             </a:extLst>
           </p:cNvPr>
@@ -3571,19 +3616,6 @@
         <p:blipFill>
           <a:blip r:embed="rId8">
             <a:extLst>
-              <a:ext uri="{BEBA8EAE-BF5A-486C-A8C5-ECC9F3942E4B}">
-                <a14:imgProps xmlns:a14="http://schemas.microsoft.com/office/drawing/2010/main">
-                  <a14:imgLayer r:embed="rId9">
-                    <a14:imgEffect>
-                      <a14:backgroundRemoval t="10000" b="90000" l="10000" r="90000">
-                        <a14:foregroundMark x1="52778" y1="43396" x2="52778" y2="43396"/>
-                        <a14:foregroundMark x1="55556" y1="37736" x2="55556" y2="37736"/>
-                        <a14:foregroundMark x1="37963" y1="30189" x2="37963" y2="30189"/>
-                      </a14:backgroundRemoval>
-                    </a14:imgEffect>
-                  </a14:imgLayer>
-                </a14:imgProps>
-              </a:ext>
               <a:ext uri="{28A0092B-C50C-407E-A947-70E740481C1C}">
                 <a14:useLocalDpi xmlns:a14="http://schemas.microsoft.com/office/drawing/2010/main" val="0"/>
               </a:ext>
@@ -3596,8 +3628,8 @@
         </p:blipFill>
         <p:spPr bwMode="auto">
           <a:xfrm>
-            <a:off x="6361945" y="5408052"/>
-            <a:ext cx="702500" cy="689491"/>
+            <a:off x="8027560" y="1464036"/>
+            <a:ext cx="752475" cy="752475"/>
           </a:xfrm>
           <a:prstGeom prst="rect">
             <a:avLst/>
@@ -3616,10 +3648,10 @@
       </p:pic>
       <p:pic>
         <p:nvPicPr>
-          <p:cNvPr id="1046" name="Picture 22">
-            <a:extLst>
-              <a:ext uri="{FF2B5EF4-FFF2-40B4-BE49-F238E27FC236}">
-                <a16:creationId xmlns:a16="http://schemas.microsoft.com/office/drawing/2014/main" id="{5634A5BA-47DC-4165-BFC0-FD063185D58F}"/>
+          <p:cNvPr id="1048" name="Picture 24">
+            <a:extLst>
+              <a:ext uri="{FF2B5EF4-FFF2-40B4-BE49-F238E27FC236}">
+                <a16:creationId xmlns:a16="http://schemas.microsoft.com/office/drawing/2014/main" id="{2BD55FFE-C9E5-4E81-BDD0-55C811E7D849}"/>
               </a:ext>
             </a:extLst>
           </p:cNvPr>
@@ -3629,8 +3661,19 @@
           <p:nvPr/>
         </p:nvPicPr>
         <p:blipFill>
-          <a:blip r:embed="rId10">
-            <a:extLst>
+          <a:blip r:embed="rId9">
+            <a:extLst>
+              <a:ext uri="{BEBA8EAE-BF5A-486C-A8C5-ECC9F3942E4B}">
+                <a14:imgProps xmlns:a14="http://schemas.microsoft.com/office/drawing/2010/main">
+                  <a14:imgLayer r:embed="rId10">
+                    <a14:imgEffect>
+                      <a14:backgroundRemoval t="10000" b="90000" l="10000" r="90000">
+                        <a14:foregroundMark x1="50307" y1="20859" x2="52147" y2="19018"/>
+                      </a14:backgroundRemoval>
+                    </a14:imgEffect>
+                  </a14:imgLayer>
+                </a14:imgProps>
+              </a:ext>
               <a:ext uri="{28A0092B-C50C-407E-A947-70E740481C1C}">
                 <a14:useLocalDpi xmlns:a14="http://schemas.microsoft.com/office/drawing/2010/main" val="0"/>
               </a:ext>
@@ -3643,113 +3686,8 @@
         </p:blipFill>
         <p:spPr bwMode="auto">
           <a:xfrm>
-            <a:off x="7180452" y="5524094"/>
-            <a:ext cx="431019" cy="457408"/>
-          </a:xfrm>
-          <a:prstGeom prst="rect">
-            <a:avLst/>
-          </a:prstGeom>
-          <a:noFill/>
-          <a:extLst>
-            <a:ext uri="{909E8E84-426E-40DD-AFC4-6F175D3DCCD1}">
-              <a14:hiddenFill xmlns:a14="http://schemas.microsoft.com/office/drawing/2010/main">
-                <a:solidFill>
-                  <a:srgbClr val="FFFFFF"/>
-                </a:solidFill>
-              </a14:hiddenFill>
-            </a:ext>
-          </a:extLst>
-        </p:spPr>
-      </p:pic>
-      <p:pic>
-        <p:nvPicPr>
-          <p:cNvPr id="1047" name="Picture 23">
-            <a:extLst>
-              <a:ext uri="{FF2B5EF4-FFF2-40B4-BE49-F238E27FC236}">
-                <a16:creationId xmlns:a16="http://schemas.microsoft.com/office/drawing/2014/main" id="{A4572B22-DC30-49B0-A334-BB0C6A2933B5}"/>
-              </a:ext>
-            </a:extLst>
-          </p:cNvPr>
-          <p:cNvPicPr>
-            <a:picLocks noChangeAspect="1" noChangeArrowheads="1"/>
-          </p:cNvPicPr>
-          <p:nvPr/>
-        </p:nvPicPr>
-        <p:blipFill>
-          <a:blip r:embed="rId11">
-            <a:extLst>
-              <a:ext uri="{28A0092B-C50C-407E-A947-70E740481C1C}">
-                <a14:useLocalDpi xmlns:a14="http://schemas.microsoft.com/office/drawing/2010/main" val="0"/>
-              </a:ext>
-            </a:extLst>
-          </a:blip>
-          <a:srcRect/>
-          <a:stretch>
-            <a:fillRect/>
-          </a:stretch>
-        </p:blipFill>
-        <p:spPr bwMode="auto">
-          <a:xfrm>
-            <a:off x="8056637" y="2526064"/>
-            <a:ext cx="752475" cy="752475"/>
-          </a:xfrm>
-          <a:prstGeom prst="rect">
-            <a:avLst/>
-          </a:prstGeom>
-          <a:noFill/>
-          <a:extLst>
-            <a:ext uri="{909E8E84-426E-40DD-AFC4-6F175D3DCCD1}">
-              <a14:hiddenFill xmlns:a14="http://schemas.microsoft.com/office/drawing/2010/main">
-                <a:solidFill>
-                  <a:srgbClr val="FFFFFF"/>
-                </a:solidFill>
-              </a14:hiddenFill>
-            </a:ext>
-          </a:extLst>
-        </p:spPr>
-      </p:pic>
-      <p:pic>
-        <p:nvPicPr>
-          <p:cNvPr id="1048" name="Picture 24">
-            <a:extLst>
-              <a:ext uri="{FF2B5EF4-FFF2-40B4-BE49-F238E27FC236}">
-                <a16:creationId xmlns:a16="http://schemas.microsoft.com/office/drawing/2014/main" id="{2BD55FFE-C9E5-4E81-BDD0-55C811E7D849}"/>
-              </a:ext>
-            </a:extLst>
-          </p:cNvPr>
-          <p:cNvPicPr>
-            <a:picLocks noChangeAspect="1" noChangeArrowheads="1"/>
-          </p:cNvPicPr>
-          <p:nvPr/>
-        </p:nvPicPr>
-        <p:blipFill>
-          <a:blip r:embed="rId12">
-            <a:extLst>
-              <a:ext uri="{BEBA8EAE-BF5A-486C-A8C5-ECC9F3942E4B}">
-                <a14:imgProps xmlns:a14="http://schemas.microsoft.com/office/drawing/2010/main">
-                  <a14:imgLayer r:embed="rId13">
-                    <a14:imgEffect>
-                      <a14:backgroundRemoval t="10000" b="90000" l="10000" r="90000">
-                        <a14:foregroundMark x1="50307" y1="20859" x2="52147" y2="19018"/>
-                      </a14:backgroundRemoval>
-                    </a14:imgEffect>
-                  </a14:imgLayer>
-                </a14:imgProps>
-              </a:ext>
-              <a:ext uri="{28A0092B-C50C-407E-A947-70E740481C1C}">
-                <a14:useLocalDpi xmlns:a14="http://schemas.microsoft.com/office/drawing/2010/main" val="0"/>
-              </a:ext>
-            </a:extLst>
-          </a:blip>
-          <a:srcRect/>
-          <a:stretch>
-            <a:fillRect/>
-          </a:stretch>
-        </p:blipFill>
-        <p:spPr bwMode="auto">
-          <a:xfrm>
-            <a:off x="10275095" y="285851"/>
-            <a:ext cx="1552575" cy="1552575"/>
+            <a:off x="11220994" y="-1315"/>
+            <a:ext cx="863785" cy="863785"/>
           </a:xfrm>
           <a:prstGeom prst="rect">
             <a:avLst/>
@@ -3877,7 +3815,7 @@
             <p:nvPr/>
           </p:nvPicPr>
           <p:blipFill>
-            <a:blip r:embed="rId14">
+            <a:blip r:embed="rId11">
               <a:extLst>
                 <a:ext uri="{28A0092B-C50C-407E-A947-70E740481C1C}">
                   <a14:useLocalDpi xmlns:a14="http://schemas.microsoft.com/office/drawing/2010/main" val="0"/>
@@ -3924,7 +3862,7 @@
             <p:nvPr/>
           </p:nvPicPr>
           <p:blipFill>
-            <a:blip r:embed="rId15">
+            <a:blip r:embed="rId12">
               <a:extLst>
                 <a:ext uri="{28A0092B-C50C-407E-A947-70E740481C1C}">
                   <a14:useLocalDpi xmlns:a14="http://schemas.microsoft.com/office/drawing/2010/main" val="0"/>
@@ -3971,7 +3909,7 @@
             <p:nvPr/>
           </p:nvPicPr>
           <p:blipFill>
-            <a:blip r:embed="rId16">
+            <a:blip r:embed="rId13">
               <a:extLst>
                 <a:ext uri="{28A0092B-C50C-407E-A947-70E740481C1C}">
                   <a14:useLocalDpi xmlns:a14="http://schemas.microsoft.com/office/drawing/2010/main" val="0"/>
@@ -4216,7 +4154,7 @@
             <p:nvPr/>
           </p:nvPicPr>
           <p:blipFill>
-            <a:blip r:embed="rId17">
+            <a:blip r:embed="rId14">
               <a:extLst>
                 <a:ext uri="{28A0092B-C50C-407E-A947-70E740481C1C}">
                   <a14:useLocalDpi xmlns:a14="http://schemas.microsoft.com/office/drawing/2010/main" val="0"/>
@@ -4434,7 +4372,7 @@
         <p:spPr>
           <a:xfrm>
             <a:off x="7698011" y="6363816"/>
-            <a:ext cx="530915" cy="369332"/>
+            <a:ext cx="475323" cy="369332"/>
           </a:xfrm>
           <a:prstGeom prst="rect">
             <a:avLst/>
@@ -4448,12 +4386,16 @@
           <a:lstStyle/>
           <a:p>
             <a:r>
-              <a:rPr lang="pt-BR" dirty="0">
+              <a:rPr lang="pt-BR" dirty="0" smtClean="0">
                 <a:latin typeface="Arial" panose="020B0604020202020204" pitchFamily="34" charset="0"/>
                 <a:cs typeface="Arial" panose="020B0604020202020204" pitchFamily="34" charset="0"/>
               </a:rPr>
-              <a:t>VM</a:t>
-            </a:r>
+              <a:t>AV</a:t>
+            </a:r>
+            <a:endParaRPr lang="pt-BR" dirty="0">
+              <a:latin typeface="Arial" panose="020B0604020202020204" pitchFamily="34" charset="0"/>
+              <a:cs typeface="Arial" panose="020B0604020202020204" pitchFamily="34" charset="0"/>
+            </a:endParaRPr>
           </a:p>
         </p:txBody>
       </p:sp>
@@ -4471,7 +4413,7 @@
         </p:nvGrpSpPr>
         <p:grpSpPr>
           <a:xfrm>
-            <a:off x="4500252" y="2436366"/>
+            <a:off x="4488142" y="2436366"/>
             <a:ext cx="1811175" cy="1811175"/>
             <a:chOff x="3821006" y="2460958"/>
             <a:chExt cx="1811175" cy="1811175"/>
@@ -4515,53 +4457,6 @@
         </p:pic>
         <p:pic>
           <p:nvPicPr>
-            <p:cNvPr id="48" name="Picture 22">
-              <a:extLst>
-                <a:ext uri="{FF2B5EF4-FFF2-40B4-BE49-F238E27FC236}">
-                  <a16:creationId xmlns:a16="http://schemas.microsoft.com/office/drawing/2014/main" id="{64DA711C-77EB-4CD0-A08D-77226404E862}"/>
-                </a:ext>
-              </a:extLst>
-            </p:cNvPr>
-            <p:cNvPicPr>
-              <a:picLocks noChangeAspect="1" noChangeArrowheads="1"/>
-            </p:cNvPicPr>
-            <p:nvPr/>
-          </p:nvPicPr>
-          <p:blipFill>
-            <a:blip r:embed="rId10">
-              <a:extLst>
-                <a:ext uri="{28A0092B-C50C-407E-A947-70E740481C1C}">
-                  <a14:useLocalDpi xmlns:a14="http://schemas.microsoft.com/office/drawing/2010/main" val="0"/>
-                </a:ext>
-              </a:extLst>
-            </a:blip>
-            <a:srcRect/>
-            <a:stretch>
-              <a:fillRect/>
-            </a:stretch>
-          </p:blipFill>
-          <p:spPr bwMode="auto">
-            <a:xfrm>
-              <a:off x="4915008" y="2741249"/>
-              <a:ext cx="412248" cy="437488"/>
-            </a:xfrm>
-            <a:prstGeom prst="rect">
-              <a:avLst/>
-            </a:prstGeom>
-            <a:noFill/>
-            <a:extLst>
-              <a:ext uri="{909E8E84-426E-40DD-AFC4-6F175D3DCCD1}">
-                <a14:hiddenFill xmlns:a14="http://schemas.microsoft.com/office/drawing/2010/main">
-                  <a:solidFill>
-                    <a:srgbClr val="FFFFFF"/>
-                  </a:solidFill>
-                </a14:hiddenFill>
-              </a:ext>
-            </a:extLst>
-          </p:spPr>
-        </p:pic>
-        <p:pic>
-          <p:nvPicPr>
             <p:cNvPr id="53" name="Picture 21">
               <a:extLst>
                 <a:ext uri="{FF2B5EF4-FFF2-40B4-BE49-F238E27FC236}">
@@ -4575,11 +4470,11 @@
             <p:nvPr/>
           </p:nvPicPr>
           <p:blipFill>
-            <a:blip r:embed="rId8">
+            <a:blip r:embed="rId6">
               <a:extLst>
                 <a:ext uri="{BEBA8EAE-BF5A-486C-A8C5-ECC9F3942E4B}">
                   <a14:imgProps xmlns:a14="http://schemas.microsoft.com/office/drawing/2010/main">
-                    <a14:imgLayer r:embed="rId9">
+                    <a14:imgLayer r:embed="rId7">
                       <a14:imgEffect>
                         <a14:backgroundRemoval t="10000" b="90000" l="10000" r="90000">
                           <a14:foregroundMark x1="52778" y1="43396" x2="52778" y2="43396"/>
@@ -4602,7 +4497,7 @@
           </p:blipFill>
           <p:spPr bwMode="auto">
             <a:xfrm>
-              <a:off x="3997982" y="2635093"/>
+              <a:off x="4362603" y="2634434"/>
               <a:ext cx="702500" cy="689491"/>
             </a:xfrm>
             <a:prstGeom prst="rect">
@@ -4703,83 +4598,27 @@
           </a:fontRef>
         </p:style>
       </p:cxnSp>
-      <p:pic>
-        <p:nvPicPr>
-          <p:cNvPr id="58" name="Picture 17">
-            <a:extLst>
-              <a:ext uri="{FF2B5EF4-FFF2-40B4-BE49-F238E27FC236}">
-                <a16:creationId xmlns:a16="http://schemas.microsoft.com/office/drawing/2014/main" id="{BF9AB63B-663B-48DE-A161-188289B6E75E}"/>
-              </a:ext>
-            </a:extLst>
-          </p:cNvPr>
-          <p:cNvPicPr>
-            <a:picLocks noChangeAspect="1" noChangeArrowheads="1"/>
-          </p:cNvPicPr>
+      <p:sp>
+        <p:nvSpPr>
+          <p:cNvPr id="59" name="CaixaDeTexto 58">
+            <a:extLst>
+              <a:ext uri="{FF2B5EF4-FFF2-40B4-BE49-F238E27FC236}">
+                <a16:creationId xmlns:a16="http://schemas.microsoft.com/office/drawing/2014/main" id="{0A127325-A15D-464C-A99E-EB5E0BDD6ACF}"/>
+              </a:ext>
+            </a:extLst>
+          </p:cNvPr>
+          <p:cNvSpPr txBox="1"/>
           <p:nvPr/>
-        </p:nvPicPr>
-        <p:blipFill>
-          <a:blip r:embed="rId5">
-            <a:extLst>
-              <a:ext uri="{BEBA8EAE-BF5A-486C-A8C5-ECC9F3942E4B}">
-                <a14:imgProps xmlns:a14="http://schemas.microsoft.com/office/drawing/2010/main">
-                  <a14:imgLayer r:embed="rId6">
-                    <a14:imgEffect>
-                      <a14:backgroundRemoval t="10000" b="90000" l="10000" r="90000"/>
-                    </a14:imgEffect>
-                  </a14:imgLayer>
-                </a14:imgProps>
-              </a:ext>
-              <a:ext uri="{28A0092B-C50C-407E-A947-70E740481C1C}">
-                <a14:useLocalDpi xmlns:a14="http://schemas.microsoft.com/office/drawing/2010/main" val="0"/>
-              </a:ext>
-            </a:extLst>
-          </a:blip>
-          <a:srcRect/>
-          <a:stretch>
-            <a:fillRect/>
-          </a:stretch>
-        </p:blipFill>
-        <p:spPr bwMode="auto">
-          <a:xfrm>
-            <a:off x="6502470" y="3800243"/>
-            <a:ext cx="561975" cy="581025"/>
+        </p:nvSpPr>
+        <p:spPr>
+          <a:xfrm>
+            <a:off x="6096164" y="3906090"/>
+            <a:ext cx="475323" cy="369332"/>
           </a:xfrm>
           <a:prstGeom prst="rect">
             <a:avLst/>
           </a:prstGeom>
           <a:noFill/>
-          <a:extLst>
-            <a:ext uri="{909E8E84-426E-40DD-AFC4-6F175D3DCCD1}">
-              <a14:hiddenFill xmlns:a14="http://schemas.microsoft.com/office/drawing/2010/main">
-                <a:solidFill>
-                  <a:srgbClr val="FFFFFF"/>
-                </a:solidFill>
-              </a14:hiddenFill>
-            </a:ext>
-          </a:extLst>
-        </p:spPr>
-      </p:pic>
-      <p:sp>
-        <p:nvSpPr>
-          <p:cNvPr id="59" name="CaixaDeTexto 58">
-            <a:extLst>
-              <a:ext uri="{FF2B5EF4-FFF2-40B4-BE49-F238E27FC236}">
-                <a16:creationId xmlns:a16="http://schemas.microsoft.com/office/drawing/2014/main" id="{0A127325-A15D-464C-A99E-EB5E0BDD6ACF}"/>
-              </a:ext>
-            </a:extLst>
-          </p:cNvPr>
-          <p:cNvSpPr txBox="1"/>
-          <p:nvPr/>
-        </p:nvSpPr>
-        <p:spPr>
-          <a:xfrm>
-            <a:off x="6096164" y="3906090"/>
-            <a:ext cx="530915" cy="369332"/>
-          </a:xfrm>
-          <a:prstGeom prst="rect">
-            <a:avLst/>
-          </a:prstGeom>
-          <a:noFill/>
         </p:spPr>
         <p:txBody>
           <a:bodyPr wrap="none" rtlCol="0">
@@ -4788,12 +4627,16 @@
           <a:lstStyle/>
           <a:p>
             <a:r>
-              <a:rPr lang="pt-BR" dirty="0">
+              <a:rPr lang="pt-BR" dirty="0" smtClean="0">
                 <a:latin typeface="Arial" panose="020B0604020202020204" pitchFamily="34" charset="0"/>
                 <a:cs typeface="Arial" panose="020B0604020202020204" pitchFamily="34" charset="0"/>
               </a:rPr>
-              <a:t>VM</a:t>
-            </a:r>
+              <a:t>AV</a:t>
+            </a:r>
+            <a:endParaRPr lang="pt-BR" dirty="0">
+              <a:latin typeface="Arial" panose="020B0604020202020204" pitchFamily="34" charset="0"/>
+              <a:cs typeface="Arial" panose="020B0604020202020204" pitchFamily="34" charset="0"/>
+            </a:endParaRPr>
           </a:p>
         </p:txBody>
       </p:sp>
@@ -4811,7 +4654,7 @@
         </p:nvSpPr>
         <p:spPr>
           <a:xfrm>
-            <a:off x="5108968" y="1582827"/>
+            <a:off x="4127922" y="1645986"/>
             <a:ext cx="1159292" cy="369332"/>
           </a:xfrm>
           <a:prstGeom prst="rect">
@@ -4849,7 +4692,7 @@
         </p:nvSpPr>
         <p:spPr>
           <a:xfrm>
-            <a:off x="6777847" y="4768015"/>
+            <a:off x="6006942" y="4804504"/>
             <a:ext cx="1159292" cy="369332"/>
           </a:xfrm>
           <a:prstGeom prst="rect">
@@ -4888,9 +4731,9 @@
           <p:nvPr/>
         </p:nvCxnSpPr>
         <p:spPr>
-          <a:xfrm>
-            <a:off x="7357493" y="4392294"/>
-            <a:ext cx="1248467" cy="0"/>
+          <a:xfrm flipV="1">
+            <a:off x="7357493" y="4381268"/>
+            <a:ext cx="871433" cy="11026"/>
           </a:xfrm>
           <a:prstGeom prst="straightConnector1">
             <a:avLst/>
@@ -4932,9 +4775,9 @@
           <p:nvPr/>
         </p:nvCxnSpPr>
         <p:spPr>
-          <a:xfrm flipV="1">
-            <a:off x="9406625" y="5162844"/>
-            <a:ext cx="0" cy="772403"/>
+          <a:xfrm flipH="1" flipV="1">
+            <a:off x="9403472" y="5457301"/>
+            <a:ext cx="3153" cy="477947"/>
           </a:xfrm>
           <a:prstGeom prst="straightConnector1">
             <a:avLst/>
@@ -5121,7 +4964,7 @@
           <p:nvPr/>
         </p:nvPicPr>
         <p:blipFill>
-          <a:blip r:embed="rId18">
+          <a:blip r:embed="rId15" cstate="hqprint">
             <a:extLst>
               <a:ext uri="{28A0092B-C50C-407E-A947-70E740481C1C}">
                 <a14:useLocalDpi xmlns:a14="http://schemas.microsoft.com/office/drawing/2010/main" val="0"/>
@@ -5134,8 +4977,8 @@
         </p:blipFill>
         <p:spPr>
           <a:xfrm>
-            <a:off x="8829264" y="4090755"/>
-            <a:ext cx="943166" cy="943166"/>
+            <a:off x="9363841" y="2271211"/>
+            <a:ext cx="562342" cy="562342"/>
           </a:xfrm>
           <a:prstGeom prst="rect">
             <a:avLst/>
@@ -5156,8 +4999,8 @@
         </p:nvSpPr>
         <p:spPr>
           <a:xfrm>
-            <a:off x="9841252" y="4239172"/>
-            <a:ext cx="1646605" cy="646331"/>
+            <a:off x="7743285" y="2286009"/>
+            <a:ext cx="1714549" cy="646331"/>
           </a:xfrm>
           <a:prstGeom prst="rect">
             <a:avLst/>
@@ -5165,11 +5008,12 @@
           <a:noFill/>
         </p:spPr>
         <p:txBody>
-          <a:bodyPr wrap="none" rtlCol="0">
+          <a:bodyPr wrap="square" rtlCol="0">
             <a:spAutoFit/>
           </a:bodyPr>
           <a:lstStyle/>
           <a:p>
+            <a:pPr algn="ctr"/>
             <a:r>
               <a:rPr lang="pt-BR" dirty="0">
                 <a:latin typeface="Arial" panose="020B0604020202020204" pitchFamily="34" charset="0"/>
@@ -5179,6 +5023,7 @@
             </a:r>
           </a:p>
           <a:p>
+            <a:pPr algn="ctr"/>
             <a:r>
               <a:rPr lang="pt-BR" dirty="0">
                 <a:latin typeface="Arial" panose="020B0604020202020204" pitchFamily="34" charset="0"/>
@@ -5189,42 +5034,6 @@
           </a:p>
         </p:txBody>
       </p:sp>
-      <p:pic>
-        <p:nvPicPr>
-          <p:cNvPr id="34" name="Imagem 33" descr="Logotipo, nome da empresa&#10;&#10;Descrição gerada automaticamente">
-            <a:extLst>
-              <a:ext uri="{FF2B5EF4-FFF2-40B4-BE49-F238E27FC236}">
-                <a16:creationId xmlns:a16="http://schemas.microsoft.com/office/drawing/2014/main" id="{313F381D-E620-48A2-B164-229C9C949D69}"/>
-              </a:ext>
-            </a:extLst>
-          </p:cNvPr>
-          <p:cNvPicPr>
-            <a:picLocks noChangeAspect="1"/>
-          </p:cNvPicPr>
-          <p:nvPr/>
-        </p:nvPicPr>
-        <p:blipFill>
-          <a:blip r:embed="rId19">
-            <a:extLst>
-              <a:ext uri="{28A0092B-C50C-407E-A947-70E740481C1C}">
-                <a14:useLocalDpi xmlns:a14="http://schemas.microsoft.com/office/drawing/2010/main" val="0"/>
-              </a:ext>
-            </a:extLst>
-          </a:blip>
-          <a:stretch>
-            <a:fillRect/>
-          </a:stretch>
-        </p:blipFill>
-        <p:spPr>
-          <a:xfrm>
-            <a:off x="1253688" y="1728656"/>
-            <a:ext cx="640209" cy="640209"/>
-          </a:xfrm>
-          <a:prstGeom prst="rect">
-            <a:avLst/>
-          </a:prstGeom>
-        </p:spPr>
-      </p:pic>
       <p:cxnSp>
         <p:nvCxnSpPr>
           <p:cNvPr id="84" name="Conector de Seta Reta 83">
@@ -5240,9 +5049,9 @@
           <p:nvPr/>
         </p:nvCxnSpPr>
         <p:spPr>
-          <a:xfrm flipH="1" flipV="1">
-            <a:off x="8864724" y="3273779"/>
-            <a:ext cx="376237" cy="632311"/>
+          <a:xfrm flipV="1">
+            <a:off x="9713401" y="2935401"/>
+            <a:ext cx="0" cy="389757"/>
           </a:xfrm>
           <a:prstGeom prst="straightConnector1">
             <a:avLst/>
@@ -5283,7 +5092,7 @@
         </p:nvSpPr>
         <p:spPr>
           <a:xfrm>
-            <a:off x="7624889" y="2096374"/>
+            <a:off x="6423559" y="1612431"/>
             <a:ext cx="1539909" cy="369332"/>
           </a:xfrm>
           <a:prstGeom prst="rect">
@@ -5323,8 +5132,8 @@
         </p:nvCxnSpPr>
         <p:spPr>
           <a:xfrm flipV="1">
-            <a:off x="10443477" y="2281040"/>
-            <a:ext cx="495254" cy="1850027"/>
+            <a:off x="5405838" y="174834"/>
+            <a:ext cx="4925422" cy="22720"/>
           </a:xfrm>
           <a:prstGeom prst="straightConnector1">
             <a:avLst/>
@@ -5365,7 +5174,7 @@
         </p:nvSpPr>
         <p:spPr>
           <a:xfrm>
-            <a:off x="10538153" y="1771976"/>
+            <a:off x="10331260" y="-10570"/>
             <a:ext cx="1082348" cy="369332"/>
           </a:xfrm>
           <a:prstGeom prst="rect">
@@ -5404,11 +5213,11 @@
           <p:nvPr/>
         </p:nvPicPr>
         <p:blipFill>
-          <a:blip r:embed="rId12">
+          <a:blip r:embed="rId9">
             <a:extLst>
               <a:ext uri="{BEBA8EAE-BF5A-486C-A8C5-ECC9F3942E4B}">
                 <a14:imgProps xmlns:a14="http://schemas.microsoft.com/office/drawing/2010/main">
-                  <a14:imgLayer r:embed="rId13">
+                  <a14:imgLayer r:embed="rId10">
                     <a14:imgEffect>
                       <a14:backgroundRemoval t="10000" b="90000" l="10000" r="90000">
                         <a14:foregroundMark x1="50307" y1="20859" x2="52147" y2="19018"/>
@@ -5429,8 +5238,8 @@
         </p:blipFill>
         <p:spPr bwMode="auto">
           <a:xfrm>
-            <a:off x="6637601" y="285851"/>
-            <a:ext cx="719892" cy="719892"/>
+            <a:off x="7768037" y="343039"/>
+            <a:ext cx="514833" cy="514833"/>
           </a:xfrm>
           <a:prstGeom prst="rect">
             <a:avLst/>
@@ -5461,7 +5270,7 @@
         </p:nvSpPr>
         <p:spPr>
           <a:xfrm>
-            <a:off x="6329764" y="918969"/>
+            <a:off x="7000922" y="752375"/>
             <a:ext cx="2659702" cy="369332"/>
           </a:xfrm>
           <a:prstGeom prst="rect">
@@ -5487,123 +5296,179 @@
       </p:sp>
       <p:pic>
         <p:nvPicPr>
-          <p:cNvPr id="94" name="Picture 24">
-            <a:extLst>
-              <a:ext uri="{FF2B5EF4-FFF2-40B4-BE49-F238E27FC236}">
-                <a16:creationId xmlns:a16="http://schemas.microsoft.com/office/drawing/2014/main" id="{D427426F-F3EE-41F6-A780-53B9CD590015}"/>
-              </a:ext>
-            </a:extLst>
-          </p:cNvPr>
+          <p:cNvPr id="2" name="Imagem 1"/>
           <p:cNvPicPr>
-            <a:picLocks noChangeAspect="1" noChangeArrowheads="1"/>
+            <a:picLocks noChangeAspect="1"/>
           </p:cNvPicPr>
           <p:nvPr/>
         </p:nvPicPr>
         <p:blipFill>
-          <a:blip r:embed="rId12">
-            <a:extLst>
-              <a:ext uri="{BEBA8EAE-BF5A-486C-A8C5-ECC9F3942E4B}">
-                <a14:imgProps xmlns:a14="http://schemas.microsoft.com/office/drawing/2010/main">
-                  <a14:imgLayer r:embed="rId13">
-                    <a14:imgEffect>
-                      <a14:backgroundRemoval t="10000" b="90000" l="10000" r="90000">
-                        <a14:foregroundMark x1="50307" y1="20859" x2="52147" y2="19018"/>
-                      </a14:backgroundRemoval>
-                    </a14:imgEffect>
-                  </a14:imgLayer>
-                </a14:imgProps>
-              </a:ext>
+          <a:blip r:embed="rId16" cstate="hqprint">
+            <a:extLst>
               <a:ext uri="{28A0092B-C50C-407E-A947-70E740481C1C}">
                 <a14:useLocalDpi xmlns:a14="http://schemas.microsoft.com/office/drawing/2010/main" val="0"/>
               </a:ext>
             </a:extLst>
           </a:blip>
-          <a:srcRect/>
           <a:stretch>
             <a:fillRect/>
           </a:stretch>
         </p:blipFill>
-        <p:spPr bwMode="auto">
-          <a:xfrm>
-            <a:off x="7243576" y="285851"/>
-            <a:ext cx="719892" cy="719892"/>
+        <p:spPr>
+          <a:xfrm>
+            <a:off x="11384266" y="2838015"/>
+            <a:ext cx="584527" cy="584527"/>
+          </a:xfrm>
+          <a:prstGeom prst="rect">
+            <a:avLst/>
+          </a:prstGeom>
+        </p:spPr>
+      </p:pic>
+      <p:pic>
+        <p:nvPicPr>
+          <p:cNvPr id="64" name="Imagem 63"/>
+          <p:cNvPicPr>
+            <a:picLocks noChangeAspect="1"/>
+          </p:cNvPicPr>
+          <p:nvPr/>
+        </p:nvPicPr>
+        <p:blipFill>
+          <a:blip r:embed="rId17" cstate="hqprint">
+            <a:extLst>
+              <a:ext uri="{28A0092B-C50C-407E-A947-70E740481C1C}">
+                <a14:useLocalDpi xmlns:a14="http://schemas.microsoft.com/office/drawing/2010/main" val="0"/>
+              </a:ext>
+            </a:extLst>
+          </a:blip>
+          <a:stretch>
+            <a:fillRect/>
+          </a:stretch>
+        </p:blipFill>
+        <p:spPr>
+          <a:xfrm>
+            <a:off x="662318" y="68920"/>
+            <a:ext cx="460644" cy="460644"/>
+          </a:xfrm>
+          <a:prstGeom prst="rect">
+            <a:avLst/>
+          </a:prstGeom>
+        </p:spPr>
+      </p:pic>
+      <p:pic>
+        <p:nvPicPr>
+          <p:cNvPr id="6" name="Imagem 5"/>
+          <p:cNvPicPr>
+            <a:picLocks noChangeAspect="1"/>
+          </p:cNvPicPr>
+          <p:nvPr/>
+        </p:nvPicPr>
+        <p:blipFill>
+          <a:blip r:embed="rId18" cstate="hqprint">
+            <a:extLst>
+              <a:ext uri="{28A0092B-C50C-407E-A947-70E740481C1C}">
+                <a14:useLocalDpi xmlns:a14="http://schemas.microsoft.com/office/drawing/2010/main" val="0"/>
+              </a:ext>
+            </a:extLst>
+          </a:blip>
+          <a:stretch>
+            <a:fillRect/>
+          </a:stretch>
+        </p:blipFill>
+        <p:spPr>
+          <a:xfrm>
+            <a:off x="9389418" y="3773781"/>
+            <a:ext cx="418552" cy="418552"/>
+          </a:xfrm>
+          <a:prstGeom prst="rect">
+            <a:avLst/>
+          </a:prstGeom>
+        </p:spPr>
+      </p:pic>
+      <p:pic>
+        <p:nvPicPr>
+          <p:cNvPr id="8" name="Imagem 7"/>
+          <p:cNvPicPr>
+            <a:picLocks noChangeAspect="1"/>
+          </p:cNvPicPr>
+          <p:nvPr/>
+        </p:nvPicPr>
+        <p:blipFill>
+          <a:blip r:embed="rId19" cstate="hqprint">
+            <a:extLst>
+              <a:ext uri="{28A0092B-C50C-407E-A947-70E740481C1C}">
+                <a14:useLocalDpi xmlns:a14="http://schemas.microsoft.com/office/drawing/2010/main" val="0"/>
+              </a:ext>
+            </a:extLst>
+          </a:blip>
+          <a:stretch>
+            <a:fillRect/>
+          </a:stretch>
+        </p:blipFill>
+        <p:spPr>
+          <a:xfrm>
+            <a:off x="10125706" y="4852742"/>
+            <a:ext cx="597054" cy="427888"/>
+          </a:xfrm>
+          <a:prstGeom prst="rect">
+            <a:avLst/>
+          </a:prstGeom>
+        </p:spPr>
+      </p:pic>
+      <p:sp>
+        <p:nvSpPr>
+          <p:cNvPr id="80" name="Retângulo 79">
+            <a:extLst>
+              <a:ext uri="{FF2B5EF4-FFF2-40B4-BE49-F238E27FC236}">
+                <a16:creationId xmlns:a16="http://schemas.microsoft.com/office/drawing/2014/main" id="{AFFF3165-266B-4542-B043-0353793029EF}"/>
+              </a:ext>
+            </a:extLst>
+          </p:cNvPr>
+          <p:cNvSpPr/>
+          <p:nvPr/>
+        </p:nvSpPr>
+        <p:spPr>
+          <a:xfrm>
+            <a:off x="8759087" y="3384761"/>
+            <a:ext cx="2019742" cy="1934956"/>
           </a:xfrm>
           <a:prstGeom prst="rect">
             <a:avLst/>
           </a:prstGeom>
           <a:noFill/>
-          <a:extLst>
-            <a:ext uri="{909E8E84-426E-40DD-AFC4-6F175D3DCCD1}">
-              <a14:hiddenFill xmlns:a14="http://schemas.microsoft.com/office/drawing/2010/main">
-                <a:solidFill>
-                  <a:srgbClr val="FFFFFF"/>
-                </a:solidFill>
-              </a14:hiddenFill>
-            </a:ext>
-          </a:extLst>
-        </p:spPr>
-      </p:pic>
-      <p:pic>
-        <p:nvPicPr>
-          <p:cNvPr id="95" name="Picture 24">
-            <a:extLst>
-              <a:ext uri="{FF2B5EF4-FFF2-40B4-BE49-F238E27FC236}">
-                <a16:creationId xmlns:a16="http://schemas.microsoft.com/office/drawing/2014/main" id="{03D6456B-16D8-482C-8C34-F57A9C91119C}"/>
-              </a:ext>
-            </a:extLst>
-          </p:cNvPr>
-          <p:cNvPicPr>
-            <a:picLocks noChangeAspect="1" noChangeArrowheads="1"/>
-          </p:cNvPicPr>
-          <p:nvPr/>
-        </p:nvPicPr>
-        <p:blipFill>
-          <a:blip r:embed="rId12">
-            <a:extLst>
-              <a:ext uri="{BEBA8EAE-BF5A-486C-A8C5-ECC9F3942E4B}">
-                <a14:imgProps xmlns:a14="http://schemas.microsoft.com/office/drawing/2010/main">
-                  <a14:imgLayer r:embed="rId13">
-                    <a14:imgEffect>
-                      <a14:backgroundRemoval t="10000" b="90000" l="10000" r="90000">
-                        <a14:foregroundMark x1="50307" y1="20859" x2="52147" y2="19018"/>
-                      </a14:backgroundRemoval>
-                    </a14:imgEffect>
-                  </a14:imgLayer>
-                </a14:imgProps>
-              </a:ext>
-              <a:ext uri="{28A0092B-C50C-407E-A947-70E740481C1C}">
-                <a14:useLocalDpi xmlns:a14="http://schemas.microsoft.com/office/drawing/2010/main" val="0"/>
-              </a:ext>
-            </a:extLst>
-          </a:blip>
-          <a:srcRect/>
-          <a:stretch>
-            <a:fillRect/>
-          </a:stretch>
-        </p:blipFill>
-        <p:spPr bwMode="auto">
-          <a:xfrm>
-            <a:off x="7849551" y="285851"/>
-            <a:ext cx="719892" cy="719892"/>
-          </a:xfrm>
-          <a:prstGeom prst="rect">
-            <a:avLst/>
-          </a:prstGeom>
-          <a:noFill/>
-          <a:extLst>
-            <a:ext uri="{909E8E84-426E-40DD-AFC4-6F175D3DCCD1}">
-              <a14:hiddenFill xmlns:a14="http://schemas.microsoft.com/office/drawing/2010/main">
-                <a:solidFill>
-                  <a:srgbClr val="FFFFFF"/>
-                </a:solidFill>
-              </a14:hiddenFill>
-            </a:ext>
-          </a:extLst>
-        </p:spPr>
-      </p:pic>
+          <a:ln>
+            <a:solidFill>
+              <a:schemeClr val="tx1"/>
+            </a:solidFill>
+          </a:ln>
+        </p:spPr>
+        <p:style>
+          <a:lnRef idx="2">
+            <a:schemeClr val="accent1">
+              <a:shade val="50000"/>
+            </a:schemeClr>
+          </a:lnRef>
+          <a:fillRef idx="1">
+            <a:schemeClr val="accent1"/>
+          </a:fillRef>
+          <a:effectRef idx="0">
+            <a:schemeClr val="accent1"/>
+          </a:effectRef>
+          <a:fontRef idx="minor">
+            <a:schemeClr val="lt1"/>
+          </a:fontRef>
+        </p:style>
+        <p:txBody>
+          <a:bodyPr rtlCol="0" anchor="ctr"/>
+          <a:lstStyle/>
+          <a:p>
+            <a:pPr algn="ctr"/>
+            <a:endParaRPr lang="pt-BR"/>
+          </a:p>
+        </p:txBody>
+      </p:sp>
       <p:cxnSp>
         <p:nvCxnSpPr>
-          <p:cNvPr id="96" name="Conector de Seta Reta 95">
+          <p:cNvPr id="83" name="Conector de Seta Reta 82">
             <a:extLst>
               <a:ext uri="{FF2B5EF4-FFF2-40B4-BE49-F238E27FC236}">
                 <a16:creationId xmlns:a16="http://schemas.microsoft.com/office/drawing/2014/main" id="{F8462331-386A-4728-8153-09675C01AB55}"/>
@@ -5617,8 +5482,82 @@
         </p:nvCxnSpPr>
         <p:spPr>
           <a:xfrm flipH="1" flipV="1">
-            <a:off x="7898334" y="1377941"/>
-            <a:ext cx="6855" cy="639714"/>
+            <a:off x="8834677" y="2007260"/>
+            <a:ext cx="568795" cy="299118"/>
+          </a:xfrm>
+          <a:prstGeom prst="straightConnector1">
+            <a:avLst/>
+          </a:prstGeom>
+          <a:ln w="12700">
+            <a:solidFill>
+              <a:schemeClr val="tx1"/>
+            </a:solidFill>
+            <a:tailEnd type="triangle"/>
+          </a:ln>
+        </p:spPr>
+        <p:style>
+          <a:lnRef idx="1">
+            <a:schemeClr val="accent1"/>
+          </a:lnRef>
+          <a:fillRef idx="0">
+            <a:schemeClr val="accent1"/>
+          </a:fillRef>
+          <a:effectRef idx="0">
+            <a:schemeClr val="accent1"/>
+          </a:effectRef>
+          <a:fontRef idx="minor">
+            <a:schemeClr val="tx1"/>
+          </a:fontRef>
+        </p:style>
+      </p:cxnSp>
+      <p:pic>
+        <p:nvPicPr>
+          <p:cNvPr id="55" name="Imagem 54"/>
+          <p:cNvPicPr>
+            <a:picLocks noChangeAspect="1"/>
+          </p:cNvPicPr>
+          <p:nvPr/>
+        </p:nvPicPr>
+        <p:blipFill>
+          <a:blip r:embed="rId20" cstate="hqprint">
+            <a:extLst>
+              <a:ext uri="{28A0092B-C50C-407E-A947-70E740481C1C}">
+                <a14:useLocalDpi xmlns:a14="http://schemas.microsoft.com/office/drawing/2010/main" val="0"/>
+              </a:ext>
+            </a:extLst>
+          </a:blip>
+          <a:stretch>
+            <a:fillRect/>
+          </a:stretch>
+        </p:blipFill>
+        <p:spPr>
+          <a:xfrm>
+            <a:off x="9632519" y="1551715"/>
+            <a:ext cx="1702882" cy="223066"/>
+          </a:xfrm>
+          <a:prstGeom prst="rect">
+            <a:avLst/>
+          </a:prstGeom>
+        </p:spPr>
+      </p:pic>
+      <p:cxnSp>
+        <p:nvCxnSpPr>
+          <p:cNvPr id="98" name="Conector de Seta Reta 97">
+            <a:extLst>
+              <a:ext uri="{FF2B5EF4-FFF2-40B4-BE49-F238E27FC236}">
+                <a16:creationId xmlns:a16="http://schemas.microsoft.com/office/drawing/2014/main" id="{F8462331-386A-4728-8153-09675C01AB55}"/>
+              </a:ext>
+            </a:extLst>
+          </p:cNvPr>
+          <p:cNvCxnSpPr>
+            <a:cxnSpLocks/>
+          </p:cNvCxnSpPr>
+          <p:nvPr/>
+        </p:nvCxnSpPr>
+        <p:spPr>
+          <a:xfrm flipV="1">
+            <a:off x="9979738" y="1900067"/>
+            <a:ext cx="465060" cy="423106"/>
           </a:xfrm>
           <a:prstGeom prst="straightConnector1">
             <a:avLst/>
@@ -5647,30 +5586,23 @@
       </p:cxnSp>
       <p:cxnSp>
         <p:nvCxnSpPr>
-          <p:cNvPr id="97" name="Conector de Seta Reta 96">
-            <a:extLst>
-              <a:ext uri="{FF2B5EF4-FFF2-40B4-BE49-F238E27FC236}">
-                <a16:creationId xmlns:a16="http://schemas.microsoft.com/office/drawing/2014/main" id="{08636CDD-E018-41B3-A79D-548991B3CBA2}"/>
-              </a:ext>
-            </a:extLst>
-          </p:cNvPr>
-          <p:cNvCxnSpPr>
-            <a:cxnSpLocks/>
-          </p:cNvCxnSpPr>
+          <p:cNvPr id="76" name="Conector de Seta Reta 75"/>
+          <p:cNvCxnSpPr/>
           <p:nvPr/>
         </p:nvCxnSpPr>
         <p:spPr>
-          <a:xfrm>
-            <a:off x="8569443" y="1583911"/>
-            <a:ext cx="1613750" cy="1"/>
+          <a:xfrm flipV="1">
+            <a:off x="10825155" y="3457122"/>
+            <a:ext cx="510246" cy="433738"/>
           </a:xfrm>
           <a:prstGeom prst="straightConnector1">
             <a:avLst/>
           </a:prstGeom>
-          <a:ln w="12700">
+          <a:ln>
             <a:solidFill>
               <a:schemeClr val="tx1"/>
             </a:solidFill>
+            <a:headEnd type="triangle"/>
             <a:tailEnd type="triangle"/>
           </a:ln>
         </p:spPr>
@@ -5691,10 +5623,10 @@
       </p:cxnSp>
       <p:cxnSp>
         <p:nvCxnSpPr>
-          <p:cNvPr id="104" name="Conector reto 103">
-            <a:extLst>
-              <a:ext uri="{FF2B5EF4-FFF2-40B4-BE49-F238E27FC236}">
-                <a16:creationId xmlns:a16="http://schemas.microsoft.com/office/drawing/2014/main" id="{162CE451-022C-4532-A1EC-22879A1C0D7D}"/>
+          <p:cNvPr id="106" name="Conector de Seta Reta 105">
+            <a:extLst>
+              <a:ext uri="{FF2B5EF4-FFF2-40B4-BE49-F238E27FC236}">
+                <a16:creationId xmlns:a16="http://schemas.microsoft.com/office/drawing/2014/main" id="{F8462331-386A-4728-8153-09675C01AB55}"/>
               </a:ext>
             </a:extLst>
           </p:cNvPr>
@@ -5705,16 +5637,17 @@
         </p:nvCxnSpPr>
         <p:spPr>
           <a:xfrm flipV="1">
-            <a:off x="8566318" y="1582827"/>
-            <a:ext cx="0" cy="460485"/>
-          </a:xfrm>
-          <a:prstGeom prst="line">
+            <a:off x="10729964" y="937041"/>
+            <a:ext cx="654052" cy="567105"/>
+          </a:xfrm>
+          <a:prstGeom prst="straightConnector1">
             <a:avLst/>
           </a:prstGeom>
-          <a:ln>
+          <a:ln w="12700">
             <a:solidFill>
               <a:schemeClr val="tx1"/>
             </a:solidFill>
+            <a:tailEnd type="triangle"/>
           </a:ln>
         </p:spPr>
         <p:style>
@@ -5732,6 +5665,438 @@
           </a:fontRef>
         </p:style>
       </p:cxnSp>
+      <p:cxnSp>
+        <p:nvCxnSpPr>
+          <p:cNvPr id="108" name="Conector de Seta Reta 107">
+            <a:extLst>
+              <a:ext uri="{FF2B5EF4-FFF2-40B4-BE49-F238E27FC236}">
+                <a16:creationId xmlns:a16="http://schemas.microsoft.com/office/drawing/2014/main" id="{F8462331-386A-4728-8153-09675C01AB55}"/>
+              </a:ext>
+            </a:extLst>
+          </p:cNvPr>
+          <p:cNvCxnSpPr>
+            <a:cxnSpLocks/>
+          </p:cNvCxnSpPr>
+          <p:nvPr/>
+        </p:nvCxnSpPr>
+        <p:spPr>
+          <a:xfrm flipV="1">
+            <a:off x="8726865" y="1163752"/>
+            <a:ext cx="376695" cy="395181"/>
+          </a:xfrm>
+          <a:prstGeom prst="straightConnector1">
+            <a:avLst/>
+          </a:prstGeom>
+          <a:ln w="12700">
+            <a:solidFill>
+              <a:schemeClr val="tx1"/>
+            </a:solidFill>
+            <a:tailEnd type="triangle"/>
+          </a:ln>
+        </p:spPr>
+        <p:style>
+          <a:lnRef idx="1">
+            <a:schemeClr val="accent1"/>
+          </a:lnRef>
+          <a:fillRef idx="0">
+            <a:schemeClr val="accent1"/>
+          </a:fillRef>
+          <a:effectRef idx="0">
+            <a:schemeClr val="accent1"/>
+          </a:effectRef>
+          <a:fontRef idx="minor">
+            <a:schemeClr val="tx1"/>
+          </a:fontRef>
+        </p:style>
+      </p:cxnSp>
+      <p:cxnSp>
+        <p:nvCxnSpPr>
+          <p:cNvPr id="112" name="Conector de Seta Reta 111">
+            <a:extLst>
+              <a:ext uri="{FF2B5EF4-FFF2-40B4-BE49-F238E27FC236}">
+                <a16:creationId xmlns:a16="http://schemas.microsoft.com/office/drawing/2014/main" id="{F8462331-386A-4728-8153-09675C01AB55}"/>
+              </a:ext>
+            </a:extLst>
+          </p:cNvPr>
+          <p:cNvCxnSpPr>
+            <a:cxnSpLocks/>
+            <a:endCxn id="93" idx="3"/>
+          </p:cNvCxnSpPr>
+          <p:nvPr/>
+        </p:nvCxnSpPr>
+        <p:spPr>
+          <a:xfrm flipH="1" flipV="1">
+            <a:off x="9660624" y="937041"/>
+            <a:ext cx="823338" cy="567105"/>
+          </a:xfrm>
+          <a:prstGeom prst="straightConnector1">
+            <a:avLst/>
+          </a:prstGeom>
+          <a:ln w="12700">
+            <a:solidFill>
+              <a:schemeClr val="tx1"/>
+            </a:solidFill>
+            <a:tailEnd type="triangle"/>
+          </a:ln>
+        </p:spPr>
+        <p:style>
+          <a:lnRef idx="1">
+            <a:schemeClr val="accent1"/>
+          </a:lnRef>
+          <a:fillRef idx="0">
+            <a:schemeClr val="accent1"/>
+          </a:fillRef>
+          <a:effectRef idx="0">
+            <a:schemeClr val="accent1"/>
+          </a:effectRef>
+          <a:fontRef idx="minor">
+            <a:schemeClr val="tx1"/>
+          </a:fontRef>
+        </p:style>
+      </p:cxnSp>
+      <p:pic>
+        <p:nvPicPr>
+          <p:cNvPr id="118" name="Picture 24">
+            <a:extLst>
+              <a:ext uri="{FF2B5EF4-FFF2-40B4-BE49-F238E27FC236}">
+                <a16:creationId xmlns:a16="http://schemas.microsoft.com/office/drawing/2014/main" id="{AF771BC2-2533-46CA-A669-A93E3FF99BE1}"/>
+              </a:ext>
+            </a:extLst>
+          </p:cNvPr>
+          <p:cNvPicPr>
+            <a:picLocks noChangeAspect="1" noChangeArrowheads="1"/>
+          </p:cNvPicPr>
+          <p:nvPr/>
+        </p:nvPicPr>
+        <p:blipFill>
+          <a:blip r:embed="rId9">
+            <a:extLst>
+              <a:ext uri="{BEBA8EAE-BF5A-486C-A8C5-ECC9F3942E4B}">
+                <a14:imgProps xmlns:a14="http://schemas.microsoft.com/office/drawing/2010/main">
+                  <a14:imgLayer r:embed="rId10">
+                    <a14:imgEffect>
+                      <a14:backgroundRemoval t="10000" b="90000" l="10000" r="90000">
+                        <a14:foregroundMark x1="50307" y1="20859" x2="52147" y2="19018"/>
+                      </a14:backgroundRemoval>
+                    </a14:imgEffect>
+                  </a14:imgLayer>
+                </a14:imgProps>
+              </a:ext>
+              <a:ext uri="{28A0092B-C50C-407E-A947-70E740481C1C}">
+                <a14:useLocalDpi xmlns:a14="http://schemas.microsoft.com/office/drawing/2010/main" val="0"/>
+              </a:ext>
+            </a:extLst>
+          </a:blip>
+          <a:srcRect/>
+          <a:stretch>
+            <a:fillRect/>
+          </a:stretch>
+        </p:blipFill>
+        <p:spPr bwMode="auto">
+          <a:xfrm>
+            <a:off x="8151459" y="353570"/>
+            <a:ext cx="514833" cy="514833"/>
+          </a:xfrm>
+          <a:prstGeom prst="rect">
+            <a:avLst/>
+          </a:prstGeom>
+          <a:noFill/>
+          <a:extLst>
+            <a:ext uri="{909E8E84-426E-40DD-AFC4-6F175D3DCCD1}">
+              <a14:hiddenFill xmlns:a14="http://schemas.microsoft.com/office/drawing/2010/main">
+                <a:solidFill>
+                  <a:srgbClr val="FFFFFF"/>
+                </a:solidFill>
+              </a14:hiddenFill>
+            </a:ext>
+          </a:extLst>
+        </p:spPr>
+      </p:pic>
+      <p:pic>
+        <p:nvPicPr>
+          <p:cNvPr id="119" name="Picture 24">
+            <a:extLst>
+              <a:ext uri="{FF2B5EF4-FFF2-40B4-BE49-F238E27FC236}">
+                <a16:creationId xmlns:a16="http://schemas.microsoft.com/office/drawing/2014/main" id="{AF771BC2-2533-46CA-A669-A93E3FF99BE1}"/>
+              </a:ext>
+            </a:extLst>
+          </p:cNvPr>
+          <p:cNvPicPr>
+            <a:picLocks noChangeAspect="1" noChangeArrowheads="1"/>
+          </p:cNvPicPr>
+          <p:nvPr/>
+        </p:nvPicPr>
+        <p:blipFill>
+          <a:blip r:embed="rId9">
+            <a:extLst>
+              <a:ext uri="{BEBA8EAE-BF5A-486C-A8C5-ECC9F3942E4B}">
+                <a14:imgProps xmlns:a14="http://schemas.microsoft.com/office/drawing/2010/main">
+                  <a14:imgLayer r:embed="rId10">
+                    <a14:imgEffect>
+                      <a14:backgroundRemoval t="10000" b="90000" l="10000" r="90000">
+                        <a14:foregroundMark x1="50307" y1="20859" x2="52147" y2="19018"/>
+                      </a14:backgroundRemoval>
+                    </a14:imgEffect>
+                  </a14:imgLayer>
+                </a14:imgProps>
+              </a:ext>
+              <a:ext uri="{28A0092B-C50C-407E-A947-70E740481C1C}">
+                <a14:useLocalDpi xmlns:a14="http://schemas.microsoft.com/office/drawing/2010/main" val="0"/>
+              </a:ext>
+            </a:extLst>
+          </a:blip>
+          <a:srcRect/>
+          <a:stretch>
+            <a:fillRect/>
+          </a:stretch>
+        </p:blipFill>
+        <p:spPr bwMode="auto">
+          <a:xfrm>
+            <a:off x="8547532" y="343039"/>
+            <a:ext cx="514833" cy="514833"/>
+          </a:xfrm>
+          <a:prstGeom prst="rect">
+            <a:avLst/>
+          </a:prstGeom>
+          <a:noFill/>
+          <a:extLst>
+            <a:ext uri="{909E8E84-426E-40DD-AFC4-6F175D3DCCD1}">
+              <a14:hiddenFill xmlns:a14="http://schemas.microsoft.com/office/drawing/2010/main">
+                <a:solidFill>
+                  <a:srgbClr val="FFFFFF"/>
+                </a:solidFill>
+              </a14:hiddenFill>
+            </a:ext>
+          </a:extLst>
+        </p:spPr>
+      </p:pic>
+      <p:cxnSp>
+        <p:nvCxnSpPr>
+          <p:cNvPr id="114" name="Conector reto 113"/>
+          <p:cNvCxnSpPr/>
+          <p:nvPr/>
+        </p:nvCxnSpPr>
+        <p:spPr>
+          <a:xfrm flipH="1">
+            <a:off x="5411825" y="186194"/>
+            <a:ext cx="11754" cy="1627168"/>
+          </a:xfrm>
+          <a:prstGeom prst="line">
+            <a:avLst/>
+          </a:prstGeom>
+        </p:spPr>
+        <p:style>
+          <a:lnRef idx="1">
+            <a:schemeClr val="dk1"/>
+          </a:lnRef>
+          <a:fillRef idx="0">
+            <a:schemeClr val="dk1"/>
+          </a:fillRef>
+          <a:effectRef idx="0">
+            <a:schemeClr val="dk1"/>
+          </a:effectRef>
+          <a:fontRef idx="minor">
+            <a:schemeClr val="tx1"/>
+          </a:fontRef>
+        </p:style>
+      </p:cxnSp>
+      <p:cxnSp>
+        <p:nvCxnSpPr>
+          <p:cNvPr id="132" name="Conector reto 131"/>
+          <p:cNvCxnSpPr/>
+          <p:nvPr/>
+        </p:nvCxnSpPr>
+        <p:spPr>
+          <a:xfrm flipH="1">
+            <a:off x="5417703" y="1813362"/>
+            <a:ext cx="943918" cy="4265"/>
+          </a:xfrm>
+          <a:prstGeom prst="line">
+            <a:avLst/>
+          </a:prstGeom>
+        </p:spPr>
+        <p:style>
+          <a:lnRef idx="1">
+            <a:schemeClr val="dk1"/>
+          </a:lnRef>
+          <a:fillRef idx="0">
+            <a:schemeClr val="dk1"/>
+          </a:fillRef>
+          <a:effectRef idx="0">
+            <a:schemeClr val="dk1"/>
+          </a:effectRef>
+          <a:fontRef idx="minor">
+            <a:schemeClr val="tx1"/>
+          </a:fontRef>
+        </p:style>
+      </p:cxnSp>
+      <p:pic>
+        <p:nvPicPr>
+          <p:cNvPr id="68" name="Picture 22">
+            <a:extLst>
+              <a:ext uri="{FF2B5EF4-FFF2-40B4-BE49-F238E27FC236}">
+                <a16:creationId xmlns:a16="http://schemas.microsoft.com/office/drawing/2014/main" id="{64DA711C-77EB-4CD0-A08D-77226404E862}"/>
+              </a:ext>
+            </a:extLst>
+          </p:cNvPr>
+          <p:cNvPicPr>
+            <a:picLocks noChangeAspect="1" noChangeArrowheads="1"/>
+          </p:cNvPicPr>
+          <p:nvPr/>
+        </p:nvPicPr>
+        <p:blipFill>
+          <a:blip r:embed="rId21">
+            <a:extLst>
+              <a:ext uri="{28A0092B-C50C-407E-A947-70E740481C1C}">
+                <a14:useLocalDpi xmlns:a14="http://schemas.microsoft.com/office/drawing/2010/main" val="0"/>
+              </a:ext>
+            </a:extLst>
+          </a:blip>
+          <a:srcRect/>
+          <a:stretch>
+            <a:fillRect/>
+          </a:stretch>
+        </p:blipFill>
+        <p:spPr bwMode="auto">
+          <a:xfrm>
+            <a:off x="9657137" y="4855047"/>
+            <a:ext cx="412248" cy="437488"/>
+          </a:xfrm>
+          <a:prstGeom prst="rect">
+            <a:avLst/>
+          </a:prstGeom>
+          <a:noFill/>
+          <a:extLst>
+            <a:ext uri="{909E8E84-426E-40DD-AFC4-6F175D3DCCD1}">
+              <a14:hiddenFill xmlns:a14="http://schemas.microsoft.com/office/drawing/2010/main">
+                <a:solidFill>
+                  <a:srgbClr val="FFFFFF"/>
+                </a:solidFill>
+              </a14:hiddenFill>
+            </a:ext>
+          </a:extLst>
+        </p:spPr>
+      </p:pic>
+      <p:pic>
+        <p:nvPicPr>
+          <p:cNvPr id="69" name="Picture 21">
+            <a:extLst>
+              <a:ext uri="{FF2B5EF4-FFF2-40B4-BE49-F238E27FC236}">
+                <a16:creationId xmlns:a16="http://schemas.microsoft.com/office/drawing/2014/main" id="{021B3648-D5F6-4B90-8E76-5D733488F406}"/>
+              </a:ext>
+            </a:extLst>
+          </p:cNvPr>
+          <p:cNvPicPr>
+            <a:picLocks noChangeAspect="1" noChangeArrowheads="1"/>
+          </p:cNvPicPr>
+          <p:nvPr/>
+        </p:nvPicPr>
+        <p:blipFill>
+          <a:blip r:embed="rId6">
+            <a:extLst>
+              <a:ext uri="{BEBA8EAE-BF5A-486C-A8C5-ECC9F3942E4B}">
+                <a14:imgProps xmlns:a14="http://schemas.microsoft.com/office/drawing/2010/main">
+                  <a14:imgLayer r:embed="rId7">
+                    <a14:imgEffect>
+                      <a14:backgroundRemoval t="10000" b="90000" l="10000" r="90000">
+                        <a14:foregroundMark x1="52778" y1="43396" x2="52778" y2="43396"/>
+                        <a14:foregroundMark x1="55556" y1="37736" x2="55556" y2="37736"/>
+                        <a14:foregroundMark x1="37963" y1="30189" x2="37963" y2="30189"/>
+                      </a14:backgroundRemoval>
+                    </a14:imgEffect>
+                  </a14:imgLayer>
+                </a14:imgProps>
+              </a:ext>
+              <a:ext uri="{28A0092B-C50C-407E-A947-70E740481C1C}">
+                <a14:useLocalDpi xmlns:a14="http://schemas.microsoft.com/office/drawing/2010/main" val="0"/>
+              </a:ext>
+            </a:extLst>
+          </a:blip>
+          <a:srcRect/>
+          <a:stretch>
+            <a:fillRect/>
+          </a:stretch>
+        </p:blipFill>
+        <p:spPr bwMode="auto">
+          <a:xfrm>
+            <a:off x="8063496" y="6165198"/>
+            <a:ext cx="702500" cy="689491"/>
+          </a:xfrm>
+          <a:prstGeom prst="rect">
+            <a:avLst/>
+          </a:prstGeom>
+          <a:noFill/>
+          <a:extLst>
+            <a:ext uri="{909E8E84-426E-40DD-AFC4-6F175D3DCCD1}">
+              <a14:hiddenFill xmlns:a14="http://schemas.microsoft.com/office/drawing/2010/main">
+                <a:solidFill>
+                  <a:srgbClr val="FFFFFF"/>
+                </a:solidFill>
+              </a14:hiddenFill>
+            </a:ext>
+          </a:extLst>
+        </p:spPr>
+      </p:pic>
+      <p:pic>
+        <p:nvPicPr>
+          <p:cNvPr id="71" name="Picture 21">
+            <a:extLst>
+              <a:ext uri="{FF2B5EF4-FFF2-40B4-BE49-F238E27FC236}">
+                <a16:creationId xmlns:a16="http://schemas.microsoft.com/office/drawing/2014/main" id="{AD6CB106-69D7-419C-B3D7-30B392722312}"/>
+              </a:ext>
+            </a:extLst>
+          </p:cNvPr>
+          <p:cNvPicPr>
+            <a:picLocks noChangeAspect="1" noChangeArrowheads="1"/>
+          </p:cNvPicPr>
+          <p:nvPr/>
+        </p:nvPicPr>
+        <p:blipFill>
+          <a:blip r:embed="rId6">
+            <a:extLst>
+              <a:ext uri="{BEBA8EAE-BF5A-486C-A8C5-ECC9F3942E4B}">
+                <a14:imgProps xmlns:a14="http://schemas.microsoft.com/office/drawing/2010/main">
+                  <a14:imgLayer r:embed="rId7">
+                    <a14:imgEffect>
+                      <a14:backgroundRemoval t="10000" b="90000" l="10000" r="90000">
+                        <a14:foregroundMark x1="52778" y1="43396" x2="52778" y2="43396"/>
+                        <a14:foregroundMark x1="55556" y1="37736" x2="55556" y2="37736"/>
+                        <a14:foregroundMark x1="37963" y1="30189" x2="37963" y2="30189"/>
+                      </a14:backgroundRemoval>
+                    </a14:imgEffect>
+                  </a14:imgLayer>
+                </a14:imgProps>
+              </a:ext>
+              <a:ext uri="{28A0092B-C50C-407E-A947-70E740481C1C}">
+                <a14:useLocalDpi xmlns:a14="http://schemas.microsoft.com/office/drawing/2010/main" val="0"/>
+              </a:ext>
+            </a:extLst>
+          </a:blip>
+          <a:srcRect/>
+          <a:stretch>
+            <a:fillRect/>
+          </a:stretch>
+        </p:blipFill>
+        <p:spPr bwMode="auto">
+          <a:xfrm>
+            <a:off x="6502642" y="3743333"/>
+            <a:ext cx="702500" cy="689491"/>
+          </a:xfrm>
+          <a:prstGeom prst="rect">
+            <a:avLst/>
+          </a:prstGeom>
+          <a:noFill/>
+          <a:extLst>
+            <a:ext uri="{909E8E84-426E-40DD-AFC4-6F175D3DCCD1}">
+              <a14:hiddenFill xmlns:a14="http://schemas.microsoft.com/office/drawing/2010/main">
+                <a:solidFill>
+                  <a:srgbClr val="FFFFFF"/>
+                </a:solidFill>
+              </a14:hiddenFill>
+            </a:ext>
+          </a:extLst>
+        </p:spPr>
+      </p:pic>
     </p:spTree>
     <p:extLst>
       <p:ext uri="{BB962C8B-B14F-4D97-AF65-F5344CB8AC3E}">
@@ -5742,6 +6107,13 @@
   <p:clrMapOvr>
     <a:masterClrMapping/>
   </p:clrMapOvr>
+  <p:timing>
+    <p:tnLst>
+      <p:par>
+        <p:cTn id="1" dur="indefinite" restart="never" nodeType="tmRoot"/>
+      </p:par>
+    </p:tnLst>
+  </p:timing>
 </p:sld>
 </file>
 

--- a/MONITORAMENTO/Documentação/PPTs/Diagrama_solucao.pptx
+++ b/MONITORAMENTO/Documentação/PPTs/Diagrama_solucao.pptx
@@ -259,7 +259,7 @@
           <a:p>
             <a:fld id="{D147B88F-A2CB-4067-ADAE-7C47100211AC}" type="datetimeFigureOut">
               <a:rPr lang="pt-BR" smtClean="0"/>
-              <a:t>11/12/2020</a:t>
+              <a:t>14/12/2020</a:t>
             </a:fld>
             <a:endParaRPr lang="pt-BR"/>
           </a:p>
@@ -313,7 +313,7 @@
           <a:p>
             <a:fld id="{2B681820-B6AE-4759-861E-6D110020A44A}" type="slidenum">
               <a:rPr lang="pt-BR" smtClean="0"/>
-              <a:t>‹nº›</a:t>
+              <a:t>‹#›</a:t>
             </a:fld>
             <a:endParaRPr lang="pt-BR"/>
           </a:p>
@@ -457,7 +457,7 @@
           <a:p>
             <a:fld id="{D147B88F-A2CB-4067-ADAE-7C47100211AC}" type="datetimeFigureOut">
               <a:rPr lang="pt-BR" smtClean="0"/>
-              <a:t>11/12/2020</a:t>
+              <a:t>14/12/2020</a:t>
             </a:fld>
             <a:endParaRPr lang="pt-BR"/>
           </a:p>
@@ -511,7 +511,7 @@
           <a:p>
             <a:fld id="{2B681820-B6AE-4759-861E-6D110020A44A}" type="slidenum">
               <a:rPr lang="pt-BR" smtClean="0"/>
-              <a:t>‹nº›</a:t>
+              <a:t>‹#›</a:t>
             </a:fld>
             <a:endParaRPr lang="pt-BR"/>
           </a:p>
@@ -665,7 +665,7 @@
           <a:p>
             <a:fld id="{D147B88F-A2CB-4067-ADAE-7C47100211AC}" type="datetimeFigureOut">
               <a:rPr lang="pt-BR" smtClean="0"/>
-              <a:t>11/12/2020</a:t>
+              <a:t>14/12/2020</a:t>
             </a:fld>
             <a:endParaRPr lang="pt-BR"/>
           </a:p>
@@ -719,7 +719,7 @@
           <a:p>
             <a:fld id="{2B681820-B6AE-4759-861E-6D110020A44A}" type="slidenum">
               <a:rPr lang="pt-BR" smtClean="0"/>
-              <a:t>‹nº›</a:t>
+              <a:t>‹#›</a:t>
             </a:fld>
             <a:endParaRPr lang="pt-BR"/>
           </a:p>
@@ -863,7 +863,7 @@
           <a:p>
             <a:fld id="{D147B88F-A2CB-4067-ADAE-7C47100211AC}" type="datetimeFigureOut">
               <a:rPr lang="pt-BR" smtClean="0"/>
-              <a:t>11/12/2020</a:t>
+              <a:t>14/12/2020</a:t>
             </a:fld>
             <a:endParaRPr lang="pt-BR"/>
           </a:p>
@@ -917,7 +917,7 @@
           <a:p>
             <a:fld id="{2B681820-B6AE-4759-861E-6D110020A44A}" type="slidenum">
               <a:rPr lang="pt-BR" smtClean="0"/>
-              <a:t>‹nº›</a:t>
+              <a:t>‹#›</a:t>
             </a:fld>
             <a:endParaRPr lang="pt-BR"/>
           </a:p>
@@ -1138,7 +1138,7 @@
           <a:p>
             <a:fld id="{D147B88F-A2CB-4067-ADAE-7C47100211AC}" type="datetimeFigureOut">
               <a:rPr lang="pt-BR" smtClean="0"/>
-              <a:t>11/12/2020</a:t>
+              <a:t>14/12/2020</a:t>
             </a:fld>
             <a:endParaRPr lang="pt-BR"/>
           </a:p>
@@ -1192,7 +1192,7 @@
           <a:p>
             <a:fld id="{2B681820-B6AE-4759-861E-6D110020A44A}" type="slidenum">
               <a:rPr lang="pt-BR" smtClean="0"/>
-              <a:t>‹nº›</a:t>
+              <a:t>‹#›</a:t>
             </a:fld>
             <a:endParaRPr lang="pt-BR"/>
           </a:p>
@@ -1403,7 +1403,7 @@
           <a:p>
             <a:fld id="{D147B88F-A2CB-4067-ADAE-7C47100211AC}" type="datetimeFigureOut">
               <a:rPr lang="pt-BR" smtClean="0"/>
-              <a:t>11/12/2020</a:t>
+              <a:t>14/12/2020</a:t>
             </a:fld>
             <a:endParaRPr lang="pt-BR"/>
           </a:p>
@@ -1457,7 +1457,7 @@
           <a:p>
             <a:fld id="{2B681820-B6AE-4759-861E-6D110020A44A}" type="slidenum">
               <a:rPr lang="pt-BR" smtClean="0"/>
-              <a:t>‹nº›</a:t>
+              <a:t>‹#›</a:t>
             </a:fld>
             <a:endParaRPr lang="pt-BR"/>
           </a:p>
@@ -1815,7 +1815,7 @@
           <a:p>
             <a:fld id="{D147B88F-A2CB-4067-ADAE-7C47100211AC}" type="datetimeFigureOut">
               <a:rPr lang="pt-BR" smtClean="0"/>
-              <a:t>11/12/2020</a:t>
+              <a:t>14/12/2020</a:t>
             </a:fld>
             <a:endParaRPr lang="pt-BR"/>
           </a:p>
@@ -1869,7 +1869,7 @@
           <a:p>
             <a:fld id="{2B681820-B6AE-4759-861E-6D110020A44A}" type="slidenum">
               <a:rPr lang="pt-BR" smtClean="0"/>
-              <a:t>‹nº›</a:t>
+              <a:t>‹#›</a:t>
             </a:fld>
             <a:endParaRPr lang="pt-BR"/>
           </a:p>
@@ -1956,7 +1956,7 @@
           <a:p>
             <a:fld id="{D147B88F-A2CB-4067-ADAE-7C47100211AC}" type="datetimeFigureOut">
               <a:rPr lang="pt-BR" smtClean="0"/>
-              <a:t>11/12/2020</a:t>
+              <a:t>14/12/2020</a:t>
             </a:fld>
             <a:endParaRPr lang="pt-BR"/>
           </a:p>
@@ -2010,7 +2010,7 @@
           <a:p>
             <a:fld id="{2B681820-B6AE-4759-861E-6D110020A44A}" type="slidenum">
               <a:rPr lang="pt-BR" smtClean="0"/>
-              <a:t>‹nº›</a:t>
+              <a:t>‹#›</a:t>
             </a:fld>
             <a:endParaRPr lang="pt-BR"/>
           </a:p>
@@ -2069,7 +2069,7 @@
           <a:p>
             <a:fld id="{D147B88F-A2CB-4067-ADAE-7C47100211AC}" type="datetimeFigureOut">
               <a:rPr lang="pt-BR" smtClean="0"/>
-              <a:t>11/12/2020</a:t>
+              <a:t>14/12/2020</a:t>
             </a:fld>
             <a:endParaRPr lang="pt-BR"/>
           </a:p>
@@ -2123,7 +2123,7 @@
           <a:p>
             <a:fld id="{2B681820-B6AE-4759-861E-6D110020A44A}" type="slidenum">
               <a:rPr lang="pt-BR" smtClean="0"/>
-              <a:t>‹nº›</a:t>
+              <a:t>‹#›</a:t>
             </a:fld>
             <a:endParaRPr lang="pt-BR"/>
           </a:p>
@@ -2380,7 +2380,7 @@
           <a:p>
             <a:fld id="{D147B88F-A2CB-4067-ADAE-7C47100211AC}" type="datetimeFigureOut">
               <a:rPr lang="pt-BR" smtClean="0"/>
-              <a:t>11/12/2020</a:t>
+              <a:t>14/12/2020</a:t>
             </a:fld>
             <a:endParaRPr lang="pt-BR"/>
           </a:p>
@@ -2434,7 +2434,7 @@
           <a:p>
             <a:fld id="{2B681820-B6AE-4759-861E-6D110020A44A}" type="slidenum">
               <a:rPr lang="pt-BR" smtClean="0"/>
-              <a:t>‹nº›</a:t>
+              <a:t>‹#›</a:t>
             </a:fld>
             <a:endParaRPr lang="pt-BR"/>
           </a:p>
@@ -2668,7 +2668,7 @@
           <a:p>
             <a:fld id="{D147B88F-A2CB-4067-ADAE-7C47100211AC}" type="datetimeFigureOut">
               <a:rPr lang="pt-BR" smtClean="0"/>
-              <a:t>11/12/2020</a:t>
+              <a:t>14/12/2020</a:t>
             </a:fld>
             <a:endParaRPr lang="pt-BR"/>
           </a:p>
@@ -2722,7 +2722,7 @@
           <a:p>
             <a:fld id="{2B681820-B6AE-4759-861E-6D110020A44A}" type="slidenum">
               <a:rPr lang="pt-BR" smtClean="0"/>
-              <a:t>‹nº›</a:t>
+              <a:t>‹#›</a:t>
             </a:fld>
             <a:endParaRPr lang="pt-BR"/>
           </a:p>
@@ -2909,7 +2909,7 @@
           <a:p>
             <a:fld id="{D147B88F-A2CB-4067-ADAE-7C47100211AC}" type="datetimeFigureOut">
               <a:rPr lang="pt-BR" smtClean="0"/>
-              <a:t>11/12/2020</a:t>
+              <a:t>14/12/2020</a:t>
             </a:fld>
             <a:endParaRPr lang="pt-BR"/>
           </a:p>
@@ -2999,7 +2999,7 @@
           <a:p>
             <a:fld id="{2B681820-B6AE-4759-861E-6D110020A44A}" type="slidenum">
               <a:rPr lang="pt-BR" smtClean="0"/>
-              <a:t>‹nº›</a:t>
+              <a:t>‹#›</a:t>
             </a:fld>
             <a:endParaRPr lang="pt-BR"/>
           </a:p>
@@ -4536,12 +4536,64 @@
           </p:spPr>
         </p:pic>
       </p:grpSp>
+      <p:sp>
+        <p:nvSpPr>
+          <p:cNvPr id="20" name="Retângulo 19">
+            <a:extLst>
+              <a:ext uri="{FF2B5EF4-FFF2-40B4-BE49-F238E27FC236}">
+                <a16:creationId xmlns:a16="http://schemas.microsoft.com/office/drawing/2014/main" id="{AFFF3165-266B-4542-B043-0353793029EF}"/>
+              </a:ext>
+            </a:extLst>
+          </p:cNvPr>
+          <p:cNvSpPr/>
+          <p:nvPr/>
+        </p:nvSpPr>
+        <p:spPr>
+          <a:xfrm>
+            <a:off x="5923759" y="2715492"/>
+            <a:ext cx="2069749" cy="1770772"/>
+          </a:xfrm>
+          <a:prstGeom prst="rect">
+            <a:avLst/>
+          </a:prstGeom>
+          <a:noFill/>
+          <a:ln>
+            <a:solidFill>
+              <a:schemeClr val="tx1"/>
+            </a:solidFill>
+          </a:ln>
+        </p:spPr>
+        <p:style>
+          <a:lnRef idx="2">
+            <a:schemeClr val="accent1">
+              <a:shade val="50000"/>
+            </a:schemeClr>
+          </a:lnRef>
+          <a:fillRef idx="1">
+            <a:schemeClr val="accent1"/>
+          </a:fillRef>
+          <a:effectRef idx="0">
+            <a:schemeClr val="accent1"/>
+          </a:effectRef>
+          <a:fontRef idx="minor">
+            <a:schemeClr val="lt1"/>
+          </a:fontRef>
+        </p:style>
+        <p:txBody>
+          <a:bodyPr rtlCol="0" anchor="ctr"/>
+          <a:lstStyle/>
+          <a:p>
+            <a:pPr algn="ctr"/>
+            <a:endParaRPr lang="pt-BR" dirty="0"/>
+          </a:p>
+        </p:txBody>
+      </p:sp>
       <p:grpSp>
         <p:nvGrpSpPr>
-          <p:cNvPr id="27" name="Agrupar 26">
-            <a:extLst>
-              <a:ext uri="{FF2B5EF4-FFF2-40B4-BE49-F238E27FC236}">
-                <a16:creationId xmlns:a16="http://schemas.microsoft.com/office/drawing/2014/main" id="{F239DCCB-87A4-4068-98A2-B72841F29521}"/>
+          <p:cNvPr id="3" name="Group 2">
+            <a:extLst>
+              <a:ext uri="{FF2B5EF4-FFF2-40B4-BE49-F238E27FC236}">
+                <a16:creationId xmlns:a16="http://schemas.microsoft.com/office/drawing/2014/main" id="{B0C28B02-4289-41C1-93C9-4D73788DCDAB}"/>
               </a:ext>
             </a:extLst>
           </p:cNvPr>
@@ -4550,10 +4602,10 @@
         </p:nvGrpSpPr>
         <p:grpSpPr>
           <a:xfrm>
-            <a:off x="5923759" y="2486631"/>
-            <a:ext cx="2069749" cy="2281493"/>
-            <a:chOff x="4583229" y="2007259"/>
-            <a:chExt cx="2069749" cy="2281493"/>
+            <a:off x="6133385" y="3026431"/>
+            <a:ext cx="1564036" cy="1202881"/>
+            <a:chOff x="6031321" y="3401691"/>
+            <a:chExt cx="1564036" cy="1202881"/>
           </a:xfrm>
         </p:grpSpPr>
         <p:sp>
@@ -4570,7 +4622,7 @@
           </p:nvSpPr>
           <p:spPr>
             <a:xfrm>
-              <a:off x="5075704" y="2985852"/>
+              <a:off x="6416234" y="3465224"/>
               <a:ext cx="475323" cy="369332"/>
             </a:xfrm>
             <a:prstGeom prst="rect">
@@ -4608,7 +4660,7 @@
           </p:nvSpPr>
           <p:spPr>
             <a:xfrm>
-              <a:off x="4690791" y="3655941"/>
+              <a:off x="6031321" y="4135313"/>
               <a:ext cx="1159292" cy="369332"/>
             </a:xfrm>
             <a:prstGeom prst="rect">
@@ -4640,58 +4692,6 @@
                 <a:latin typeface="Arial" panose="020B0604020202020204" pitchFamily="34" charset="0"/>
                 <a:cs typeface="Arial" panose="020B0604020202020204" pitchFamily="34" charset="0"/>
               </a:endParaRPr>
-            </a:p>
-          </p:txBody>
-        </p:sp>
-        <p:sp>
-          <p:nvSpPr>
-            <p:cNvPr id="20" name="Retângulo 19">
-              <a:extLst>
-                <a:ext uri="{FF2B5EF4-FFF2-40B4-BE49-F238E27FC236}">
-                  <a16:creationId xmlns:a16="http://schemas.microsoft.com/office/drawing/2014/main" id="{AFFF3165-266B-4542-B043-0353793029EF}"/>
-                </a:ext>
-              </a:extLst>
-            </p:cNvPr>
-            <p:cNvSpPr/>
-            <p:nvPr/>
-          </p:nvSpPr>
-          <p:spPr>
-            <a:xfrm>
-              <a:off x="4583229" y="2007259"/>
-              <a:ext cx="2069749" cy="2281493"/>
-            </a:xfrm>
-            <a:prstGeom prst="rect">
-              <a:avLst/>
-            </a:prstGeom>
-            <a:noFill/>
-            <a:ln>
-              <a:solidFill>
-                <a:schemeClr val="tx1"/>
-              </a:solidFill>
-            </a:ln>
-          </p:spPr>
-          <p:style>
-            <a:lnRef idx="2">
-              <a:schemeClr val="accent1">
-                <a:shade val="50000"/>
-              </a:schemeClr>
-            </a:lnRef>
-            <a:fillRef idx="1">
-              <a:schemeClr val="accent1"/>
-            </a:fillRef>
-            <a:effectRef idx="0">
-              <a:schemeClr val="accent1"/>
-            </a:effectRef>
-            <a:fontRef idx="minor">
-              <a:schemeClr val="lt1"/>
-            </a:fontRef>
-          </p:style>
-          <p:txBody>
-            <a:bodyPr rtlCol="0" anchor="ctr"/>
-            <a:lstStyle/>
-            <a:p>
-              <a:pPr algn="ctr"/>
-              <a:endParaRPr lang="pt-BR" dirty="0"/>
             </a:p>
           </p:txBody>
         </p:sp>
@@ -4737,7 +4737,7 @@
           </p:blipFill>
           <p:spPr bwMode="auto">
             <a:xfrm>
-              <a:off x="5403031" y="2922319"/>
+              <a:off x="6743561" y="3401691"/>
               <a:ext cx="475324" cy="524680"/>
             </a:xfrm>
             <a:prstGeom prst="rect">
@@ -4753,42 +4753,6 @@
                 </a14:hiddenFill>
               </a:ext>
             </a:extLst>
-          </p:spPr>
-        </p:pic>
-        <p:pic>
-          <p:nvPicPr>
-            <p:cNvPr id="72" name="Imagem 71">
-              <a:extLst>
-                <a:ext uri="{FF2B5EF4-FFF2-40B4-BE49-F238E27FC236}">
-                  <a16:creationId xmlns:a16="http://schemas.microsoft.com/office/drawing/2014/main" id="{C72BFF45-D5D7-47E0-A144-62C107CB5ECC}"/>
-                </a:ext>
-              </a:extLst>
-            </p:cNvPr>
-            <p:cNvPicPr>
-              <a:picLocks noChangeAspect="1"/>
-            </p:cNvPicPr>
-            <p:nvPr/>
-          </p:nvPicPr>
-          <p:blipFill>
-            <a:blip r:embed="rId14" cstate="hqprint">
-              <a:extLst>
-                <a:ext uri="{28A0092B-C50C-407E-A947-70E740481C1C}">
-                  <a14:useLocalDpi xmlns:a14="http://schemas.microsoft.com/office/drawing/2010/main" val="0"/>
-                </a:ext>
-              </a:extLst>
-            </a:blip>
-            <a:stretch>
-              <a:fillRect/>
-            </a:stretch>
-          </p:blipFill>
-          <p:spPr>
-            <a:xfrm>
-              <a:off x="5320705" y="2055989"/>
-              <a:ext cx="460644" cy="460644"/>
-            </a:xfrm>
-            <a:prstGeom prst="rect">
-              <a:avLst/>
-            </a:prstGeom>
           </p:spPr>
         </p:pic>
         <p:pic>
@@ -4833,7 +4797,7 @@
           </p:blipFill>
           <p:spPr bwMode="auto">
             <a:xfrm>
-              <a:off x="5648074" y="3603582"/>
+              <a:off x="6988604" y="4082954"/>
               <a:ext cx="606753" cy="521618"/>
             </a:xfrm>
             <a:prstGeom prst="rect">
@@ -4867,7 +4831,7 @@
           </p:nvCxnSpPr>
           <p:spPr>
             <a:xfrm flipH="1">
-              <a:off x="5506915" y="3384761"/>
+              <a:off x="6847445" y="3864133"/>
               <a:ext cx="2" cy="289230"/>
             </a:xfrm>
             <a:prstGeom prst="straightConnector1">
@@ -4895,50 +4859,6 @@
             </a:fontRef>
           </p:style>
         </p:cxnSp>
-        <p:cxnSp>
-          <p:nvCxnSpPr>
-            <p:cNvPr id="75" name="Conector de Seta Reta 74">
-              <a:extLst>
-                <a:ext uri="{FF2B5EF4-FFF2-40B4-BE49-F238E27FC236}">
-                  <a16:creationId xmlns:a16="http://schemas.microsoft.com/office/drawing/2014/main" id="{A1A4CE6F-F030-4EAC-BC82-92B6BA2DF6B3}"/>
-                </a:ext>
-              </a:extLst>
-            </p:cNvPr>
-            <p:cNvCxnSpPr>
-              <a:cxnSpLocks/>
-            </p:cNvCxnSpPr>
-            <p:nvPr/>
-          </p:nvCxnSpPr>
-          <p:spPr>
-            <a:xfrm flipH="1">
-              <a:off x="5506915" y="2557521"/>
-              <a:ext cx="1" cy="343598"/>
-            </a:xfrm>
-            <a:prstGeom prst="straightConnector1">
-              <a:avLst/>
-            </a:prstGeom>
-            <a:ln w="12700">
-              <a:solidFill>
-                <a:schemeClr val="tx1"/>
-              </a:solidFill>
-              <a:tailEnd type="triangle"/>
-            </a:ln>
-          </p:spPr>
-          <p:style>
-            <a:lnRef idx="1">
-              <a:schemeClr val="accent1"/>
-            </a:lnRef>
-            <a:fillRef idx="0">
-              <a:schemeClr val="accent1"/>
-            </a:fillRef>
-            <a:effectRef idx="0">
-              <a:schemeClr val="accent1"/>
-            </a:effectRef>
-            <a:fontRef idx="minor">
-              <a:schemeClr val="tx1"/>
-            </a:fontRef>
-          </p:style>
-        </p:cxnSp>
       </p:grpSp>
       <p:sp>
         <p:nvSpPr>
@@ -4954,7 +4874,7 @@
         </p:nvSpPr>
         <p:spPr>
           <a:xfrm>
-            <a:off x="6964206" y="2112057"/>
+            <a:off x="6958633" y="2256397"/>
             <a:ext cx="1159292" cy="646331"/>
           </a:xfrm>
           <a:prstGeom prst="rect">
@@ -4992,12 +4912,102 @@
           </a:p>
         </p:txBody>
       </p:sp>
+      <p:sp>
+        <p:nvSpPr>
+          <p:cNvPr id="61" name="CaixaDeTexto 60">
+            <a:extLst>
+              <a:ext uri="{FF2B5EF4-FFF2-40B4-BE49-F238E27FC236}">
+                <a16:creationId xmlns:a16="http://schemas.microsoft.com/office/drawing/2014/main" id="{7281507A-8A60-455B-8E66-5FC712342992}"/>
+              </a:ext>
+            </a:extLst>
+          </p:cNvPr>
+          <p:cNvSpPr txBox="1"/>
+          <p:nvPr/>
+        </p:nvSpPr>
+        <p:spPr>
+          <a:xfrm>
+            <a:off x="10991593" y="76962"/>
+            <a:ext cx="1006500" cy="427144"/>
+          </a:xfrm>
+          <a:prstGeom prst="rect">
+            <a:avLst/>
+          </a:prstGeom>
+          <a:noFill/>
+        </p:spPr>
+        <p:txBody>
+          <a:bodyPr wrap="none" rtlCol="0">
+            <a:spAutoFit/>
+          </a:bodyPr>
+          <a:lstStyle/>
+          <a:p>
+            <a:r>
+              <a:rPr lang="pt-BR" dirty="0">
+                <a:latin typeface="Arial" panose="020B0604020202020204" pitchFamily="34" charset="0"/>
+                <a:cs typeface="Arial" panose="020B0604020202020204" pitchFamily="34" charset="0"/>
+              </a:rPr>
+              <a:t>API OHM</a:t>
+            </a:r>
+          </a:p>
+        </p:txBody>
+      </p:sp>
+      <p:sp>
+        <p:nvSpPr>
+          <p:cNvPr id="70" name="Retângulo 69">
+            <a:extLst>
+              <a:ext uri="{FF2B5EF4-FFF2-40B4-BE49-F238E27FC236}">
+                <a16:creationId xmlns:a16="http://schemas.microsoft.com/office/drawing/2014/main" id="{6D1FDD91-AC1F-47C1-BEA5-27687E9A8646}"/>
+              </a:ext>
+            </a:extLst>
+          </p:cNvPr>
+          <p:cNvSpPr/>
+          <p:nvPr/>
+        </p:nvSpPr>
+        <p:spPr>
+          <a:xfrm>
+            <a:off x="9752498" y="625320"/>
+            <a:ext cx="2234643" cy="1581697"/>
+          </a:xfrm>
+          <a:prstGeom prst="rect">
+            <a:avLst/>
+          </a:prstGeom>
+          <a:noFill/>
+          <a:ln>
+            <a:solidFill>
+              <a:schemeClr val="tx1"/>
+            </a:solidFill>
+          </a:ln>
+        </p:spPr>
+        <p:style>
+          <a:lnRef idx="2">
+            <a:schemeClr val="accent1">
+              <a:shade val="50000"/>
+            </a:schemeClr>
+          </a:lnRef>
+          <a:fillRef idx="1">
+            <a:schemeClr val="accent1"/>
+          </a:fillRef>
+          <a:effectRef idx="0">
+            <a:schemeClr val="accent1"/>
+          </a:effectRef>
+          <a:fontRef idx="minor">
+            <a:schemeClr val="lt1"/>
+          </a:fontRef>
+        </p:style>
+        <p:txBody>
+          <a:bodyPr rtlCol="0" anchor="ctr"/>
+          <a:lstStyle/>
+          <a:p>
+            <a:pPr algn="ctr"/>
+            <a:endParaRPr lang="pt-BR"/>
+          </a:p>
+        </p:txBody>
+      </p:sp>
       <p:grpSp>
         <p:nvGrpSpPr>
-          <p:cNvPr id="91" name="Agrupar 90">
-            <a:extLst>
-              <a:ext uri="{FF2B5EF4-FFF2-40B4-BE49-F238E27FC236}">
-                <a16:creationId xmlns:a16="http://schemas.microsoft.com/office/drawing/2014/main" id="{AD9B23FF-39E2-43E2-8503-F9FACE06EADE}"/>
+          <p:cNvPr id="11" name="Group 10">
+            <a:extLst>
+              <a:ext uri="{FF2B5EF4-FFF2-40B4-BE49-F238E27FC236}">
+                <a16:creationId xmlns:a16="http://schemas.microsoft.com/office/drawing/2014/main" id="{9CB0B117-65B2-4E81-9521-DF7007577537}"/>
               </a:ext>
             </a:extLst>
           </p:cNvPr>
@@ -5006,18 +5016,18 @@
         </p:nvGrpSpPr>
         <p:grpSpPr>
           <a:xfrm>
-            <a:off x="9752498" y="76962"/>
-            <a:ext cx="2245595" cy="2242164"/>
-            <a:chOff x="4770394" y="4826887"/>
-            <a:chExt cx="2586487" cy="1938696"/>
+            <a:off x="10274547" y="816979"/>
+            <a:ext cx="1379743" cy="1223504"/>
+            <a:chOff x="10303330" y="1063801"/>
+            <a:chExt cx="1379743" cy="1223504"/>
           </a:xfrm>
         </p:grpSpPr>
         <p:sp>
           <p:nvSpPr>
-            <p:cNvPr id="61" name="CaixaDeTexto 60">
+            <p:cNvPr id="52" name="CaixaDeTexto 51">
               <a:extLst>
                 <a:ext uri="{FF2B5EF4-FFF2-40B4-BE49-F238E27FC236}">
-                  <a16:creationId xmlns:a16="http://schemas.microsoft.com/office/drawing/2014/main" id="{7281507A-8A60-455B-8E66-5FC712342992}"/>
+                  <a16:creationId xmlns:a16="http://schemas.microsoft.com/office/drawing/2014/main" id="{B0ED356C-B014-40AC-90AA-BD56C69663B1}"/>
                 </a:ext>
               </a:extLst>
             </p:cNvPr>
@@ -5026,8 +5036,106 @@
           </p:nvSpPr>
           <p:spPr>
             <a:xfrm>
-              <a:off x="6197589" y="4826887"/>
-              <a:ext cx="1159292" cy="369332"/>
+              <a:off x="10303330" y="1115140"/>
+              <a:ext cx="572091" cy="427144"/>
+            </a:xfrm>
+            <a:prstGeom prst="rect">
+              <a:avLst/>
+            </a:prstGeom>
+            <a:noFill/>
+          </p:spPr>
+          <p:txBody>
+            <a:bodyPr wrap="square" rtlCol="0">
+              <a:spAutoFit/>
+            </a:bodyPr>
+            <a:lstStyle/>
+            <a:p>
+              <a:r>
+                <a:rPr lang="pt-BR" dirty="0">
+                  <a:latin typeface="Arial" panose="020B0604020202020204" pitchFamily="34" charset="0"/>
+                  <a:cs typeface="Arial" panose="020B0604020202020204" pitchFamily="34" charset="0"/>
+                </a:rPr>
+                <a:t>AV</a:t>
+              </a:r>
+            </a:p>
+          </p:txBody>
+        </p:sp>
+        <p:pic>
+          <p:nvPicPr>
+            <p:cNvPr id="69" name="Picture 21">
+              <a:extLst>
+                <a:ext uri="{FF2B5EF4-FFF2-40B4-BE49-F238E27FC236}">
+                  <a16:creationId xmlns:a16="http://schemas.microsoft.com/office/drawing/2014/main" id="{021B3648-D5F6-4B90-8E76-5D733488F406}"/>
+                </a:ext>
+              </a:extLst>
+            </p:cNvPr>
+            <p:cNvPicPr>
+              <a:picLocks noChangeAspect="1" noChangeArrowheads="1"/>
+            </p:cNvPicPr>
+            <p:nvPr/>
+          </p:nvPicPr>
+          <p:blipFill>
+            <a:blip r:embed="rId15">
+              <a:extLst>
+                <a:ext uri="{BEBA8EAE-BF5A-486C-A8C5-ECC9F3942E4B}">
+                  <a14:imgProps xmlns:a14="http://schemas.microsoft.com/office/drawing/2010/main">
+                    <a14:imgLayer r:embed="rId16">
+                      <a14:imgEffect>
+                        <a14:backgroundRemoval t="10000" b="90000" l="10000" r="90000">
+                          <a14:foregroundMark x1="52778" y1="43396" x2="52778" y2="43396"/>
+                          <a14:foregroundMark x1="55556" y1="37736" x2="55556" y2="37736"/>
+                          <a14:foregroundMark x1="37963" y1="30189" x2="37963" y2="30189"/>
+                        </a14:backgroundRemoval>
+                      </a14:imgEffect>
+                    </a14:imgLayer>
+                  </a14:imgProps>
+                </a:ext>
+                <a:ext uri="{28A0092B-C50C-407E-A947-70E740481C1C}">
+                  <a14:useLocalDpi xmlns:a14="http://schemas.microsoft.com/office/drawing/2010/main" val="0"/>
+                </a:ext>
+              </a:extLst>
+            </a:blip>
+            <a:srcRect/>
+            <a:stretch>
+              <a:fillRect/>
+            </a:stretch>
+          </p:blipFill>
+          <p:spPr bwMode="auto">
+            <a:xfrm>
+              <a:off x="10730380" y="1063801"/>
+              <a:ext cx="419589" cy="565206"/>
+            </a:xfrm>
+            <a:prstGeom prst="rect">
+              <a:avLst/>
+            </a:prstGeom>
+            <a:noFill/>
+            <a:extLst>
+              <a:ext uri="{909E8E84-426E-40DD-AFC4-6F175D3DCCD1}">
+                <a14:hiddenFill xmlns:a14="http://schemas.microsoft.com/office/drawing/2010/main">
+                  <a:solidFill>
+                    <a:srgbClr val="FFFFFF"/>
+                  </a:solidFill>
+                </a14:hiddenFill>
+              </a:ext>
+            </a:extLst>
+          </p:spPr>
+        </p:pic>
+        <p:sp>
+          <p:nvSpPr>
+            <p:cNvPr id="17" name="CaixaDeTexto 16">
+              <a:extLst>
+                <a:ext uri="{FF2B5EF4-FFF2-40B4-BE49-F238E27FC236}">
+                  <a16:creationId xmlns:a16="http://schemas.microsoft.com/office/drawing/2014/main" id="{61123127-1D73-4A4E-90F8-1FBAB5C8C26F}"/>
+                </a:ext>
+              </a:extLst>
+            </p:cNvPr>
+            <p:cNvSpPr txBox="1"/>
+            <p:nvPr/>
+          </p:nvSpPr>
+          <p:spPr>
+            <a:xfrm>
+              <a:off x="10327804" y="1834457"/>
+              <a:ext cx="903513" cy="427144"/>
             </a:xfrm>
             <a:prstGeom prst="rect">
               <a:avLst/>
@@ -5041,392 +5149,104 @@
             <a:lstStyle/>
             <a:p>
               <a:r>
-                <a:rPr lang="pt-BR" dirty="0">
-                  <a:latin typeface="Arial" panose="020B0604020202020204" pitchFamily="34" charset="0"/>
-                  <a:cs typeface="Arial" panose="020B0604020202020204" pitchFamily="34" charset="0"/>
-                </a:rPr>
+                <a:rPr lang="pt-BR" dirty="0"/>
                 <a:t>API OHM</a:t>
               </a:r>
             </a:p>
           </p:txBody>
         </p:sp>
-        <p:grpSp>
-          <p:nvGrpSpPr>
-            <p:cNvPr id="24" name="Agrupar 23">
+        <p:pic>
+          <p:nvPicPr>
+            <p:cNvPr id="85" name="Picture 20">
               <a:extLst>
                 <a:ext uri="{FF2B5EF4-FFF2-40B4-BE49-F238E27FC236}">
-                  <a16:creationId xmlns:a16="http://schemas.microsoft.com/office/drawing/2014/main" id="{A30F4C70-9A48-4EBE-B252-469227566285}"/>
+                  <a16:creationId xmlns:a16="http://schemas.microsoft.com/office/drawing/2014/main" id="{7691624C-AFD9-4848-B74F-2068C4F306CC}"/>
                 </a:ext>
               </a:extLst>
             </p:cNvPr>
-            <p:cNvGrpSpPr/>
+            <p:cNvPicPr>
+              <a:picLocks noChangeAspect="1" noChangeArrowheads="1"/>
+            </p:cNvPicPr>
             <p:nvPr/>
-          </p:nvGrpSpPr>
-          <p:grpSpPr>
-            <a:xfrm>
-              <a:off x="4770394" y="5132498"/>
-              <a:ext cx="2573872" cy="1633085"/>
-              <a:chOff x="6067184" y="5162844"/>
-              <a:chExt cx="2573872" cy="1633085"/>
-            </a:xfrm>
-          </p:grpSpPr>
-          <p:sp>
-            <p:nvSpPr>
-              <p:cNvPr id="52" name="CaixaDeTexto 51">
-                <a:extLst>
-                  <a:ext uri="{FF2B5EF4-FFF2-40B4-BE49-F238E27FC236}">
-                    <a16:creationId xmlns:a16="http://schemas.microsoft.com/office/drawing/2014/main" id="{B0ED356C-B014-40AC-90AA-BD56C69663B1}"/>
-                  </a:ext>
-                </a:extLst>
-              </p:cNvPr>
-              <p:cNvSpPr txBox="1"/>
-              <p:nvPr/>
-            </p:nvSpPr>
-            <p:spPr>
-              <a:xfrm>
-                <a:off x="6701635" y="5754898"/>
-                <a:ext cx="658937" cy="369332"/>
-              </a:xfrm>
-              <a:prstGeom prst="rect">
-                <a:avLst/>
-              </a:prstGeom>
-              <a:noFill/>
-            </p:spPr>
-            <p:txBody>
-              <a:bodyPr wrap="square" rtlCol="0">
-                <a:spAutoFit/>
-              </a:bodyPr>
-              <a:lstStyle/>
-              <a:p>
-                <a:r>
-                  <a:rPr lang="pt-BR" dirty="0">
-                    <a:latin typeface="Arial" panose="020B0604020202020204" pitchFamily="34" charset="0"/>
-                    <a:cs typeface="Arial" panose="020B0604020202020204" pitchFamily="34" charset="0"/>
-                  </a:rPr>
-                  <a:t>AV</a:t>
-                </a:r>
-              </a:p>
-            </p:txBody>
-          </p:sp>
-          <p:sp>
-            <p:nvSpPr>
-              <p:cNvPr id="70" name="Retângulo 69">
-                <a:extLst>
-                  <a:ext uri="{FF2B5EF4-FFF2-40B4-BE49-F238E27FC236}">
-                    <a16:creationId xmlns:a16="http://schemas.microsoft.com/office/drawing/2014/main" id="{6D1FDD91-AC1F-47C1-BEA5-27687E9A8646}"/>
-                  </a:ext>
-                </a:extLst>
-              </p:cNvPr>
-              <p:cNvSpPr/>
-              <p:nvPr/>
-            </p:nvSpPr>
-            <p:spPr>
-              <a:xfrm>
-                <a:off x="6067184" y="5167074"/>
-                <a:ext cx="2573872" cy="1628855"/>
-              </a:xfrm>
-              <a:prstGeom prst="rect">
-                <a:avLst/>
-              </a:prstGeom>
-              <a:noFill/>
-              <a:ln>
-                <a:solidFill>
-                  <a:schemeClr val="tx1"/>
-                </a:solidFill>
-              </a:ln>
-            </p:spPr>
-            <p:style>
-              <a:lnRef idx="2">
-                <a:schemeClr val="accent1">
-                  <a:shade val="50000"/>
-                </a:schemeClr>
-              </a:lnRef>
-              <a:fillRef idx="1">
-                <a:schemeClr val="accent1"/>
-              </a:fillRef>
-              <a:effectRef idx="0">
-                <a:schemeClr val="accent1"/>
-              </a:effectRef>
-              <a:fontRef idx="minor">
-                <a:schemeClr val="lt1"/>
-              </a:fontRef>
-            </p:style>
-            <p:txBody>
-              <a:bodyPr rtlCol="0" anchor="ctr"/>
-              <a:lstStyle/>
-              <a:p>
-                <a:pPr algn="ctr"/>
-                <a:endParaRPr lang="pt-BR"/>
-              </a:p>
-            </p:txBody>
-          </p:sp>
-          <p:pic>
-            <p:nvPicPr>
-              <p:cNvPr id="69" name="Picture 21">
-                <a:extLst>
-                  <a:ext uri="{FF2B5EF4-FFF2-40B4-BE49-F238E27FC236}">
-                    <a16:creationId xmlns:a16="http://schemas.microsoft.com/office/drawing/2014/main" id="{021B3648-D5F6-4B90-8E76-5D733488F406}"/>
-                  </a:ext>
-                </a:extLst>
-              </p:cNvPr>
-              <p:cNvPicPr>
-                <a:picLocks noChangeAspect="1" noChangeArrowheads="1"/>
-              </p:cNvPicPr>
-              <p:nvPr/>
-            </p:nvPicPr>
-            <p:blipFill>
-              <a:blip r:embed="rId15">
-                <a:extLst>
-                  <a:ext uri="{BEBA8EAE-BF5A-486C-A8C5-ECC9F3942E4B}">
-                    <a14:imgProps xmlns:a14="http://schemas.microsoft.com/office/drawing/2010/main">
-                      <a14:imgLayer r:embed="rId16">
-                        <a14:imgEffect>
-                          <a14:backgroundRemoval t="10000" b="90000" l="10000" r="90000">
-                            <a14:foregroundMark x1="52778" y1="43396" x2="52778" y2="43396"/>
-                            <a14:foregroundMark x1="55556" y1="37736" x2="55556" y2="37736"/>
-                            <a14:foregroundMark x1="37963" y1="30189" x2="37963" y2="30189"/>
-                          </a14:backgroundRemoval>
-                        </a14:imgEffect>
-                      </a14:imgLayer>
-                    </a14:imgProps>
-                  </a:ext>
-                  <a:ext uri="{28A0092B-C50C-407E-A947-70E740481C1C}">
-                    <a14:useLocalDpi xmlns:a14="http://schemas.microsoft.com/office/drawing/2010/main" val="0"/>
-                  </a:ext>
-                </a:extLst>
-              </a:blip>
-              <a:srcRect/>
-              <a:stretch>
-                <a:fillRect/>
-              </a:stretch>
-            </p:blipFill>
-            <p:spPr bwMode="auto">
-              <a:xfrm>
-                <a:off x="7193513" y="5710507"/>
-                <a:ext cx="483285" cy="488708"/>
-              </a:xfrm>
-              <a:prstGeom prst="rect">
-                <a:avLst/>
-              </a:prstGeom>
-              <a:noFill/>
+          </p:nvPicPr>
+          <p:blipFill>
+            <a:blip r:embed="rId4">
               <a:extLst>
-                <a:ext uri="{909E8E84-426E-40DD-AFC4-6F175D3DCCD1}">
-                  <a14:hiddenFill xmlns:a14="http://schemas.microsoft.com/office/drawing/2010/main">
-                    <a:solidFill>
-                      <a:srgbClr val="FFFFFF"/>
-                    </a:solidFill>
-                  </a14:hiddenFill>
+                <a:ext uri="{28A0092B-C50C-407E-A947-70E740481C1C}">
+                  <a14:useLocalDpi xmlns:a14="http://schemas.microsoft.com/office/drawing/2010/main" val="0"/>
                 </a:ext>
               </a:extLst>
-            </p:spPr>
-          </p:pic>
-          <p:pic>
-            <p:nvPicPr>
-              <p:cNvPr id="79" name="Imagem 78">
-                <a:extLst>
-                  <a:ext uri="{FF2B5EF4-FFF2-40B4-BE49-F238E27FC236}">
-                    <a16:creationId xmlns:a16="http://schemas.microsoft.com/office/drawing/2014/main" id="{4B9A00E7-E7D1-45DC-8B96-9B325E9E9F5A}"/>
-                  </a:ext>
-                </a:extLst>
-              </p:cNvPr>
-              <p:cNvPicPr>
-                <a:picLocks noChangeAspect="1"/>
-              </p:cNvPicPr>
-              <p:nvPr/>
-            </p:nvPicPr>
-            <p:blipFill>
-              <a:blip r:embed="rId14" cstate="hqprint">
-                <a:extLst>
-                  <a:ext uri="{28A0092B-C50C-407E-A947-70E740481C1C}">
-                    <a14:useLocalDpi xmlns:a14="http://schemas.microsoft.com/office/drawing/2010/main" val="0"/>
-                  </a:ext>
-                </a:extLst>
-              </a:blip>
-              <a:stretch>
-                <a:fillRect/>
-              </a:stretch>
-            </p:blipFill>
-            <p:spPr>
-              <a:xfrm>
-                <a:off x="7008308" y="5162844"/>
-                <a:ext cx="460644" cy="460644"/>
-              </a:xfrm>
-              <a:prstGeom prst="rect">
-                <a:avLst/>
-              </a:prstGeom>
-            </p:spPr>
-          </p:pic>
-          <p:cxnSp>
-            <p:nvCxnSpPr>
-              <p:cNvPr id="82" name="Conector de Seta Reta 81">
-                <a:extLst>
-                  <a:ext uri="{FF2B5EF4-FFF2-40B4-BE49-F238E27FC236}">
-                    <a16:creationId xmlns:a16="http://schemas.microsoft.com/office/drawing/2014/main" id="{2E52EE8D-F398-44B7-BD22-2D3016429FC9}"/>
-                  </a:ext>
-                </a:extLst>
-              </p:cNvPr>
-              <p:cNvCxnSpPr>
-                <a:cxnSpLocks/>
-              </p:cNvCxnSpPr>
-              <p:nvPr/>
-            </p:nvCxnSpPr>
-            <p:spPr>
-              <a:xfrm flipH="1">
-                <a:off x="7289789" y="5596752"/>
-                <a:ext cx="26548" cy="199044"/>
-              </a:xfrm>
-              <a:prstGeom prst="straightConnector1">
-                <a:avLst/>
-              </a:prstGeom>
-              <a:ln w="12700">
-                <a:solidFill>
-                  <a:schemeClr val="tx1"/>
-                </a:solidFill>
-                <a:tailEnd type="triangle"/>
-              </a:ln>
-            </p:spPr>
-            <p:style>
-              <a:lnRef idx="1">
-                <a:schemeClr val="accent1"/>
-              </a:lnRef>
-              <a:fillRef idx="0">
-                <a:schemeClr val="accent1"/>
-              </a:fillRef>
-              <a:effectRef idx="0">
-                <a:schemeClr val="accent1"/>
-              </a:effectRef>
-              <a:fontRef idx="minor">
-                <a:schemeClr val="tx1"/>
-              </a:fontRef>
-            </p:style>
-          </p:cxnSp>
-          <p:sp>
-            <p:nvSpPr>
-              <p:cNvPr id="17" name="CaixaDeTexto 16">
-                <a:extLst>
-                  <a:ext uri="{FF2B5EF4-FFF2-40B4-BE49-F238E27FC236}">
-                    <a16:creationId xmlns:a16="http://schemas.microsoft.com/office/drawing/2014/main" id="{61123127-1D73-4A4E-90F8-1FBAB5C8C26F}"/>
-                  </a:ext>
-                </a:extLst>
-              </p:cNvPr>
-              <p:cNvSpPr txBox="1"/>
-              <p:nvPr/>
-            </p:nvSpPr>
-            <p:spPr>
-              <a:xfrm>
-                <a:off x="6729824" y="6376858"/>
-                <a:ext cx="1040670" cy="369332"/>
-              </a:xfrm>
-              <a:prstGeom prst="rect">
-                <a:avLst/>
-              </a:prstGeom>
-              <a:noFill/>
-            </p:spPr>
-            <p:txBody>
-              <a:bodyPr wrap="none" rtlCol="0">
-                <a:spAutoFit/>
-              </a:bodyPr>
-              <a:lstStyle/>
-              <a:p>
-                <a:r>
-                  <a:rPr lang="pt-BR" dirty="0"/>
-                  <a:t>API OHM</a:t>
-                </a:r>
-              </a:p>
-            </p:txBody>
-          </p:sp>
-          <p:pic>
-            <p:nvPicPr>
-              <p:cNvPr id="85" name="Picture 20">
-                <a:extLst>
-                  <a:ext uri="{FF2B5EF4-FFF2-40B4-BE49-F238E27FC236}">
-                    <a16:creationId xmlns:a16="http://schemas.microsoft.com/office/drawing/2014/main" id="{7691624C-AFD9-4848-B74F-2068C4F306CC}"/>
-                  </a:ext>
-                </a:extLst>
-              </p:cNvPr>
-              <p:cNvPicPr>
-                <a:picLocks noChangeAspect="1" noChangeArrowheads="1"/>
-              </p:cNvPicPr>
-              <p:nvPr/>
-            </p:nvPicPr>
-            <p:blipFill>
-              <a:blip r:embed="rId4">
-                <a:extLst>
-                  <a:ext uri="{28A0092B-C50C-407E-A947-70E740481C1C}">
-                    <a14:useLocalDpi xmlns:a14="http://schemas.microsoft.com/office/drawing/2010/main" val="0"/>
-                  </a:ext>
-                </a:extLst>
-              </a:blip>
-              <a:srcRect/>
-              <a:stretch>
-                <a:fillRect/>
-              </a:stretch>
-            </p:blipFill>
-            <p:spPr bwMode="auto">
-              <a:xfrm>
-                <a:off x="7847347" y="6317152"/>
-                <a:ext cx="443482" cy="451263"/>
-              </a:xfrm>
-              <a:prstGeom prst="rect">
-                <a:avLst/>
-              </a:prstGeom>
-              <a:noFill/>
+            </a:blip>
+            <a:srcRect/>
+            <a:stretch>
+              <a:fillRect/>
+            </a:stretch>
+          </p:blipFill>
+          <p:spPr bwMode="auto">
+            <a:xfrm>
+              <a:off x="11298041" y="1765405"/>
+              <a:ext cx="385032" cy="521900"/>
+            </a:xfrm>
+            <a:prstGeom prst="rect">
+              <a:avLst/>
+            </a:prstGeom>
+            <a:noFill/>
+            <a:extLst>
+              <a:ext uri="{909E8E84-426E-40DD-AFC4-6F175D3DCCD1}">
+                <a14:hiddenFill xmlns:a14="http://schemas.microsoft.com/office/drawing/2010/main">
+                  <a:solidFill>
+                    <a:srgbClr val="FFFFFF"/>
+                  </a:solidFill>
+                </a14:hiddenFill>
+              </a:ext>
+            </a:extLst>
+          </p:spPr>
+        </p:pic>
+        <p:cxnSp>
+          <p:nvCxnSpPr>
+            <p:cNvPr id="89" name="Conector de Seta Reta 88">
               <a:extLst>
-                <a:ext uri="{909E8E84-426E-40DD-AFC4-6F175D3DCCD1}">
-                  <a14:hiddenFill xmlns:a14="http://schemas.microsoft.com/office/drawing/2010/main">
-                    <a:solidFill>
-                      <a:srgbClr val="FFFFFF"/>
-                    </a:solidFill>
-                  </a14:hiddenFill>
+                <a:ext uri="{FF2B5EF4-FFF2-40B4-BE49-F238E27FC236}">
+                  <a16:creationId xmlns:a16="http://schemas.microsoft.com/office/drawing/2014/main" id="{275D9C7A-D050-449B-ABFF-8080BC1FDE83}"/>
                 </a:ext>
               </a:extLst>
-            </p:spPr>
-          </p:pic>
-          <p:cxnSp>
-            <p:nvCxnSpPr>
-              <p:cNvPr id="89" name="Conector de Seta Reta 88">
-                <a:extLst>
-                  <a:ext uri="{FF2B5EF4-FFF2-40B4-BE49-F238E27FC236}">
-                    <a16:creationId xmlns:a16="http://schemas.microsoft.com/office/drawing/2014/main" id="{275D9C7A-D050-449B-ABFF-8080BC1FDE83}"/>
-                  </a:ext>
-                </a:extLst>
-              </p:cNvPr>
-              <p:cNvCxnSpPr>
-                <a:cxnSpLocks/>
-              </p:cNvCxnSpPr>
-              <p:nvPr/>
-            </p:nvCxnSpPr>
-            <p:spPr>
-              <a:xfrm flipH="1">
-                <a:off x="7167061" y="6119143"/>
-                <a:ext cx="52904" cy="283361"/>
-              </a:xfrm>
-              <a:prstGeom prst="straightConnector1">
-                <a:avLst/>
-              </a:prstGeom>
-              <a:ln w="12700">
-                <a:solidFill>
-                  <a:schemeClr val="tx1"/>
-                </a:solidFill>
-                <a:tailEnd type="triangle"/>
-              </a:ln>
-            </p:spPr>
-            <p:style>
-              <a:lnRef idx="1">
-                <a:schemeClr val="accent1"/>
-              </a:lnRef>
-              <a:fillRef idx="0">
-                <a:schemeClr val="accent1"/>
-              </a:fillRef>
-              <a:effectRef idx="0">
-                <a:schemeClr val="accent1"/>
-              </a:effectRef>
-              <a:fontRef idx="minor">
+            </p:cNvPr>
+            <p:cNvCxnSpPr>
+              <a:cxnSpLocks/>
+              <a:endCxn id="17" idx="0"/>
+            </p:cNvCxnSpPr>
+            <p:nvPr/>
+          </p:nvCxnSpPr>
+          <p:spPr>
+            <a:xfrm>
+              <a:off x="10779561" y="1523341"/>
+              <a:ext cx="0" cy="311116"/>
+            </a:xfrm>
+            <a:prstGeom prst="straightConnector1">
+              <a:avLst/>
+            </a:prstGeom>
+            <a:ln w="12700">
+              <a:solidFill>
                 <a:schemeClr val="tx1"/>
-              </a:fontRef>
-            </p:style>
-          </p:cxnSp>
-        </p:grpSp>
+              </a:solidFill>
+              <a:tailEnd type="triangle"/>
+            </a:ln>
+          </p:spPr>
+          <p:style>
+            <a:lnRef idx="1">
+              <a:schemeClr val="accent1"/>
+            </a:lnRef>
+            <a:fillRef idx="0">
+              <a:schemeClr val="accent1"/>
+            </a:fillRef>
+            <a:effectRef idx="0">
+              <a:schemeClr val="accent1"/>
+            </a:effectRef>
+            <a:fontRef idx="minor">
+              <a:schemeClr val="tx1"/>
+            </a:fontRef>
+          </p:style>
+        </p:cxnSp>
       </p:grpSp>
       <p:grpSp>
         <p:nvGrpSpPr>
@@ -5701,10 +5521,10 @@
         </p:nvGrpSpPr>
         <p:grpSpPr>
           <a:xfrm>
-            <a:off x="9704853" y="3192484"/>
-            <a:ext cx="2282287" cy="2162538"/>
-            <a:chOff x="8129813" y="4006330"/>
-            <a:chExt cx="2282287" cy="2162538"/>
+            <a:off x="9704853" y="3179736"/>
+            <a:ext cx="2282287" cy="2175287"/>
+            <a:chOff x="8129813" y="3993582"/>
+            <a:chExt cx="2282287" cy="2175287"/>
           </a:xfrm>
         </p:grpSpPr>
         <p:grpSp>
@@ -5721,10 +5541,10 @@
           </p:nvGrpSpPr>
           <p:grpSpPr>
             <a:xfrm>
-              <a:off x="8129813" y="4006330"/>
-              <a:ext cx="2282287" cy="2162538"/>
-              <a:chOff x="8759087" y="3384761"/>
-              <a:chExt cx="2019742" cy="1934956"/>
+              <a:off x="8129813" y="3993582"/>
+              <a:ext cx="2282287" cy="2175287"/>
+              <a:chOff x="8759087" y="3373354"/>
+              <a:chExt cx="2019742" cy="1946363"/>
             </a:xfrm>
           </p:grpSpPr>
           <p:pic>
@@ -5755,8 +5575,8 @@
             </p:blipFill>
             <p:spPr>
               <a:xfrm>
-                <a:off x="8917750" y="3421705"/>
-                <a:ext cx="1278694" cy="1278694"/>
+                <a:off x="8816124" y="3373354"/>
+                <a:ext cx="1733410" cy="1733410"/>
               </a:xfrm>
               <a:prstGeom prst="rect">
                 <a:avLst/>
@@ -5785,7 +5605,7 @@
             </p:blipFill>
             <p:spPr>
               <a:xfrm>
-                <a:off x="9071572" y="3607457"/>
+                <a:off x="9940981" y="3945510"/>
                 <a:ext cx="418552" cy="418552"/>
               </a:xfrm>
               <a:prstGeom prst="rect">
@@ -5815,8 +5635,8 @@
             </p:blipFill>
             <p:spPr>
               <a:xfrm>
-                <a:off x="10088063" y="4332068"/>
-                <a:ext cx="597054" cy="427888"/>
+                <a:off x="9383534" y="4149730"/>
+                <a:ext cx="453945" cy="325326"/>
               </a:xfrm>
               <a:prstGeom prst="rect">
                 <a:avLst/>
@@ -5904,8 +5724,8 @@
             </p:blipFill>
             <p:spPr bwMode="auto">
               <a:xfrm>
-                <a:off x="9642522" y="3624432"/>
-                <a:ext cx="412248" cy="437488"/>
+                <a:off x="9041906" y="3717510"/>
+                <a:ext cx="415698" cy="441150"/>
               </a:xfrm>
               <a:prstGeom prst="rect">
                 <a:avLst/>
@@ -5951,7 +5771,7 @@
           </p:blipFill>
           <p:spPr>
             <a:xfrm>
-              <a:off x="9536971" y="5694193"/>
+              <a:off x="9886734" y="5700546"/>
               <a:ext cx="491030" cy="460644"/>
             </a:xfrm>
             <a:prstGeom prst="rect">
@@ -5973,8 +5793,8 @@
           </p:nvSpPr>
           <p:spPr>
             <a:xfrm>
-              <a:off x="8156855" y="4061598"/>
-              <a:ext cx="2149352" cy="1580745"/>
+              <a:off x="8357400" y="4262045"/>
+              <a:ext cx="1059153" cy="993584"/>
             </a:xfrm>
             <a:prstGeom prst="rect">
               <a:avLst/>
@@ -6001,7 +5821,7 @@
             <a:lstStyle/>
             <a:p>
               <a:pPr algn="ctr"/>
-              <a:endParaRPr lang="pt-BR"/>
+              <a:endParaRPr lang="pt-BR" dirty="0"/>
             </a:p>
           </p:txBody>
         </p:sp>
